--- a/Folder content manager design.pptx
+++ b/Folder content manager design.pptx
@@ -5,10 +5,15 @@
     <p:sldMasterId id="2147483648" r:id="rId1"/>
   </p:sldMasterIdLst>
   <p:sldIdLst>
-    <p:sldId id="256" r:id="rId2"/>
-    <p:sldId id="257" r:id="rId3"/>
-    <p:sldId id="258" r:id="rId4"/>
-    <p:sldId id="259" r:id="rId5"/>
+    <p:sldId id="263" r:id="rId2"/>
+    <p:sldId id="264" r:id="rId3"/>
+    <p:sldId id="260" r:id="rId4"/>
+    <p:sldId id="256" r:id="rId5"/>
+    <p:sldId id="261" r:id="rId6"/>
+    <p:sldId id="262" r:id="rId7"/>
+    <p:sldId id="257" r:id="rId8"/>
+    <p:sldId id="258" r:id="rId9"/>
+    <p:sldId id="259" r:id="rId10"/>
   </p:sldIdLst>
   <p:sldSz cx="12192000" cy="6858000"/>
   <p:notesSz cx="6858000" cy="9144000"/>
@@ -157,10 +162,9 @@
           </a:lstStyle>
           <a:p>
             <a:r>
-              <a:rPr lang="en-US" smtClean="0"/>
+              <a:rPr lang="en-US"/>
               <a:t>Click to edit Master title style</a:t>
             </a:r>
-            <a:endParaRPr lang="en-US"/>
           </a:p>
         </p:txBody>
       </p:sp>
@@ -222,10 +226,9 @@
           </a:lstStyle>
           <a:p>
             <a:r>
-              <a:rPr lang="en-US" smtClean="0"/>
+              <a:rPr lang="en-US"/>
               <a:t>Click to edit Master subtitle style</a:t>
             </a:r>
-            <a:endParaRPr lang="en-US"/>
           </a:p>
         </p:txBody>
       </p:sp>
@@ -246,7 +249,7 @@
           <a:p>
             <a:fld id="{FE403678-DE4A-4987-AFEE-1BB7B316937B}" type="datetimeFigureOut">
               <a:rPr lang="en-US" smtClean="0"/>
-              <a:t>12/4/2018</a:t>
+              <a:t>8/31/2019</a:t>
             </a:fld>
             <a:endParaRPr lang="en-US"/>
           </a:p>
@@ -340,10 +343,9 @@
           <a:lstStyle/>
           <a:p>
             <a:r>
-              <a:rPr lang="en-US" smtClean="0"/>
+              <a:rPr lang="en-US"/>
               <a:t>Click to edit Master title style</a:t>
             </a:r>
-            <a:endParaRPr lang="en-US"/>
           </a:p>
         </p:txBody>
       </p:sp>
@@ -364,38 +366,37 @@
           <a:p>
             <a:pPr lvl="0"/>
             <a:r>
-              <a:rPr lang="en-US" smtClean="0"/>
+              <a:rPr lang="en-US"/>
               <a:t>Click to edit Master text styles</a:t>
             </a:r>
           </a:p>
           <a:p>
             <a:pPr lvl="1"/>
             <a:r>
-              <a:rPr lang="en-US" smtClean="0"/>
+              <a:rPr lang="en-US"/>
               <a:t>Second level</a:t>
             </a:r>
           </a:p>
           <a:p>
             <a:pPr lvl="2"/>
             <a:r>
-              <a:rPr lang="en-US" smtClean="0"/>
+              <a:rPr lang="en-US"/>
               <a:t>Third level</a:t>
             </a:r>
           </a:p>
           <a:p>
             <a:pPr lvl="3"/>
             <a:r>
-              <a:rPr lang="en-US" smtClean="0"/>
+              <a:rPr lang="en-US"/>
               <a:t>Fourth level</a:t>
             </a:r>
           </a:p>
           <a:p>
             <a:pPr lvl="4"/>
             <a:r>
-              <a:rPr lang="en-US" smtClean="0"/>
+              <a:rPr lang="en-US"/>
               <a:t>Fifth level</a:t>
             </a:r>
-            <a:endParaRPr lang="en-US"/>
           </a:p>
         </p:txBody>
       </p:sp>
@@ -416,7 +417,7 @@
           <a:p>
             <a:fld id="{FE403678-DE4A-4987-AFEE-1BB7B316937B}" type="datetimeFigureOut">
               <a:rPr lang="en-US" smtClean="0"/>
-              <a:t>12/4/2018</a:t>
+              <a:t>8/31/2019</a:t>
             </a:fld>
             <a:endParaRPr lang="en-US"/>
           </a:p>
@@ -515,10 +516,9 @@
           <a:lstStyle/>
           <a:p>
             <a:r>
-              <a:rPr lang="en-US" smtClean="0"/>
+              <a:rPr lang="en-US"/>
               <a:t>Click to edit Master title style</a:t>
             </a:r>
-            <a:endParaRPr lang="en-US"/>
           </a:p>
         </p:txBody>
       </p:sp>
@@ -544,38 +544,37 @@
           <a:p>
             <a:pPr lvl="0"/>
             <a:r>
-              <a:rPr lang="en-US" smtClean="0"/>
+              <a:rPr lang="en-US"/>
               <a:t>Click to edit Master text styles</a:t>
             </a:r>
           </a:p>
           <a:p>
             <a:pPr lvl="1"/>
             <a:r>
-              <a:rPr lang="en-US" smtClean="0"/>
+              <a:rPr lang="en-US"/>
               <a:t>Second level</a:t>
             </a:r>
           </a:p>
           <a:p>
             <a:pPr lvl="2"/>
             <a:r>
-              <a:rPr lang="en-US" smtClean="0"/>
+              <a:rPr lang="en-US"/>
               <a:t>Third level</a:t>
             </a:r>
           </a:p>
           <a:p>
             <a:pPr lvl="3"/>
             <a:r>
-              <a:rPr lang="en-US" smtClean="0"/>
+              <a:rPr lang="en-US"/>
               <a:t>Fourth level</a:t>
             </a:r>
           </a:p>
           <a:p>
             <a:pPr lvl="4"/>
             <a:r>
-              <a:rPr lang="en-US" smtClean="0"/>
+              <a:rPr lang="en-US"/>
               <a:t>Fifth level</a:t>
             </a:r>
-            <a:endParaRPr lang="en-US"/>
           </a:p>
         </p:txBody>
       </p:sp>
@@ -596,7 +595,7 @@
           <a:p>
             <a:fld id="{FE403678-DE4A-4987-AFEE-1BB7B316937B}" type="datetimeFigureOut">
               <a:rPr lang="en-US" smtClean="0"/>
-              <a:t>12/4/2018</a:t>
+              <a:t>8/31/2019</a:t>
             </a:fld>
             <a:endParaRPr lang="en-US"/>
           </a:p>
@@ -690,10 +689,9 @@
           <a:lstStyle/>
           <a:p>
             <a:r>
-              <a:rPr lang="en-US" smtClean="0"/>
+              <a:rPr lang="en-US"/>
               <a:t>Click to edit Master title style</a:t>
             </a:r>
-            <a:endParaRPr lang="en-US"/>
           </a:p>
         </p:txBody>
       </p:sp>
@@ -714,38 +712,37 @@
           <a:p>
             <a:pPr lvl="0"/>
             <a:r>
-              <a:rPr lang="en-US" smtClean="0"/>
+              <a:rPr lang="en-US"/>
               <a:t>Click to edit Master text styles</a:t>
             </a:r>
           </a:p>
           <a:p>
             <a:pPr lvl="1"/>
             <a:r>
-              <a:rPr lang="en-US" smtClean="0"/>
+              <a:rPr lang="en-US"/>
               <a:t>Second level</a:t>
             </a:r>
           </a:p>
           <a:p>
             <a:pPr lvl="2"/>
             <a:r>
-              <a:rPr lang="en-US" smtClean="0"/>
+              <a:rPr lang="en-US"/>
               <a:t>Third level</a:t>
             </a:r>
           </a:p>
           <a:p>
             <a:pPr lvl="3"/>
             <a:r>
-              <a:rPr lang="en-US" smtClean="0"/>
+              <a:rPr lang="en-US"/>
               <a:t>Fourth level</a:t>
             </a:r>
           </a:p>
           <a:p>
             <a:pPr lvl="4"/>
             <a:r>
-              <a:rPr lang="en-US" smtClean="0"/>
+              <a:rPr lang="en-US"/>
               <a:t>Fifth level</a:t>
             </a:r>
-            <a:endParaRPr lang="en-US"/>
           </a:p>
         </p:txBody>
       </p:sp>
@@ -766,7 +763,7 @@
           <a:p>
             <a:fld id="{FE403678-DE4A-4987-AFEE-1BB7B316937B}" type="datetimeFigureOut">
               <a:rPr lang="en-US" smtClean="0"/>
-              <a:t>12/4/2018</a:t>
+              <a:t>8/31/2019</a:t>
             </a:fld>
             <a:endParaRPr lang="en-US"/>
           </a:p>
@@ -869,10 +866,9 @@
           </a:lstStyle>
           <a:p>
             <a:r>
-              <a:rPr lang="en-US" smtClean="0"/>
+              <a:rPr lang="en-US"/>
               <a:t>Click to edit Master title style</a:t>
             </a:r>
-            <a:endParaRPr lang="en-US"/>
           </a:p>
         </p:txBody>
       </p:sp>
@@ -989,7 +985,7 @@
           <a:p>
             <a:pPr lvl="0"/>
             <a:r>
-              <a:rPr lang="en-US" smtClean="0"/>
+              <a:rPr lang="en-US"/>
               <a:t>Click to edit Master text styles</a:t>
             </a:r>
           </a:p>
@@ -1012,7 +1008,7 @@
           <a:p>
             <a:fld id="{FE403678-DE4A-4987-AFEE-1BB7B316937B}" type="datetimeFigureOut">
               <a:rPr lang="en-US" smtClean="0"/>
-              <a:t>12/4/2018</a:t>
+              <a:t>8/31/2019</a:t>
             </a:fld>
             <a:endParaRPr lang="en-US"/>
           </a:p>
@@ -1106,10 +1102,9 @@
           <a:lstStyle/>
           <a:p>
             <a:r>
-              <a:rPr lang="en-US" smtClean="0"/>
+              <a:rPr lang="en-US"/>
               <a:t>Click to edit Master title style</a:t>
             </a:r>
-            <a:endParaRPr lang="en-US"/>
           </a:p>
         </p:txBody>
       </p:sp>
@@ -1135,38 +1130,37 @@
           <a:p>
             <a:pPr lvl="0"/>
             <a:r>
-              <a:rPr lang="en-US" smtClean="0"/>
+              <a:rPr lang="en-US"/>
               <a:t>Click to edit Master text styles</a:t>
             </a:r>
           </a:p>
           <a:p>
             <a:pPr lvl="1"/>
             <a:r>
-              <a:rPr lang="en-US" smtClean="0"/>
+              <a:rPr lang="en-US"/>
               <a:t>Second level</a:t>
             </a:r>
           </a:p>
           <a:p>
             <a:pPr lvl="2"/>
             <a:r>
-              <a:rPr lang="en-US" smtClean="0"/>
+              <a:rPr lang="en-US"/>
               <a:t>Third level</a:t>
             </a:r>
           </a:p>
           <a:p>
             <a:pPr lvl="3"/>
             <a:r>
-              <a:rPr lang="en-US" smtClean="0"/>
+              <a:rPr lang="en-US"/>
               <a:t>Fourth level</a:t>
             </a:r>
           </a:p>
           <a:p>
             <a:pPr lvl="4"/>
             <a:r>
-              <a:rPr lang="en-US" smtClean="0"/>
+              <a:rPr lang="en-US"/>
               <a:t>Fifth level</a:t>
             </a:r>
-            <a:endParaRPr lang="en-US"/>
           </a:p>
         </p:txBody>
       </p:sp>
@@ -1192,38 +1186,37 @@
           <a:p>
             <a:pPr lvl="0"/>
             <a:r>
-              <a:rPr lang="en-US" smtClean="0"/>
+              <a:rPr lang="en-US"/>
               <a:t>Click to edit Master text styles</a:t>
             </a:r>
           </a:p>
           <a:p>
             <a:pPr lvl="1"/>
             <a:r>
-              <a:rPr lang="en-US" smtClean="0"/>
+              <a:rPr lang="en-US"/>
               <a:t>Second level</a:t>
             </a:r>
           </a:p>
           <a:p>
             <a:pPr lvl="2"/>
             <a:r>
-              <a:rPr lang="en-US" smtClean="0"/>
+              <a:rPr lang="en-US"/>
               <a:t>Third level</a:t>
             </a:r>
           </a:p>
           <a:p>
             <a:pPr lvl="3"/>
             <a:r>
-              <a:rPr lang="en-US" smtClean="0"/>
+              <a:rPr lang="en-US"/>
               <a:t>Fourth level</a:t>
             </a:r>
           </a:p>
           <a:p>
             <a:pPr lvl="4"/>
             <a:r>
-              <a:rPr lang="en-US" smtClean="0"/>
+              <a:rPr lang="en-US"/>
               <a:t>Fifth level</a:t>
             </a:r>
-            <a:endParaRPr lang="en-US"/>
           </a:p>
         </p:txBody>
       </p:sp>
@@ -1244,7 +1237,7 @@
           <a:p>
             <a:fld id="{FE403678-DE4A-4987-AFEE-1BB7B316937B}" type="datetimeFigureOut">
               <a:rPr lang="en-US" smtClean="0"/>
-              <a:t>12/4/2018</a:t>
+              <a:t>8/31/2019</a:t>
             </a:fld>
             <a:endParaRPr lang="en-US"/>
           </a:p>
@@ -1343,10 +1336,9 @@
           <a:lstStyle/>
           <a:p>
             <a:r>
-              <a:rPr lang="en-US" smtClean="0"/>
+              <a:rPr lang="en-US"/>
               <a:t>Click to edit Master title style</a:t>
             </a:r>
-            <a:endParaRPr lang="en-US"/>
           </a:p>
         </p:txBody>
       </p:sp>
@@ -1409,7 +1401,7 @@
           <a:p>
             <a:pPr lvl="0"/>
             <a:r>
-              <a:rPr lang="en-US" smtClean="0"/>
+              <a:rPr lang="en-US"/>
               <a:t>Click to edit Master text styles</a:t>
             </a:r>
           </a:p>
@@ -1437,38 +1429,37 @@
           <a:p>
             <a:pPr lvl="0"/>
             <a:r>
-              <a:rPr lang="en-US" smtClean="0"/>
+              <a:rPr lang="en-US"/>
               <a:t>Click to edit Master text styles</a:t>
             </a:r>
           </a:p>
           <a:p>
             <a:pPr lvl="1"/>
             <a:r>
-              <a:rPr lang="en-US" smtClean="0"/>
+              <a:rPr lang="en-US"/>
               <a:t>Second level</a:t>
             </a:r>
           </a:p>
           <a:p>
             <a:pPr lvl="2"/>
             <a:r>
-              <a:rPr lang="en-US" smtClean="0"/>
+              <a:rPr lang="en-US"/>
               <a:t>Third level</a:t>
             </a:r>
           </a:p>
           <a:p>
             <a:pPr lvl="3"/>
             <a:r>
-              <a:rPr lang="en-US" smtClean="0"/>
+              <a:rPr lang="en-US"/>
               <a:t>Fourth level</a:t>
             </a:r>
           </a:p>
           <a:p>
             <a:pPr lvl="4"/>
             <a:r>
-              <a:rPr lang="en-US" smtClean="0"/>
+              <a:rPr lang="en-US"/>
               <a:t>Fifth level</a:t>
             </a:r>
-            <a:endParaRPr lang="en-US"/>
           </a:p>
         </p:txBody>
       </p:sp>
@@ -1531,7 +1522,7 @@
           <a:p>
             <a:pPr lvl="0"/>
             <a:r>
-              <a:rPr lang="en-US" smtClean="0"/>
+              <a:rPr lang="en-US"/>
               <a:t>Click to edit Master text styles</a:t>
             </a:r>
           </a:p>
@@ -1559,38 +1550,37 @@
           <a:p>
             <a:pPr lvl="0"/>
             <a:r>
-              <a:rPr lang="en-US" smtClean="0"/>
+              <a:rPr lang="en-US"/>
               <a:t>Click to edit Master text styles</a:t>
             </a:r>
           </a:p>
           <a:p>
             <a:pPr lvl="1"/>
             <a:r>
-              <a:rPr lang="en-US" smtClean="0"/>
+              <a:rPr lang="en-US"/>
               <a:t>Second level</a:t>
             </a:r>
           </a:p>
           <a:p>
             <a:pPr lvl="2"/>
             <a:r>
-              <a:rPr lang="en-US" smtClean="0"/>
+              <a:rPr lang="en-US"/>
               <a:t>Third level</a:t>
             </a:r>
           </a:p>
           <a:p>
             <a:pPr lvl="3"/>
             <a:r>
-              <a:rPr lang="en-US" smtClean="0"/>
+              <a:rPr lang="en-US"/>
               <a:t>Fourth level</a:t>
             </a:r>
           </a:p>
           <a:p>
             <a:pPr lvl="4"/>
             <a:r>
-              <a:rPr lang="en-US" smtClean="0"/>
+              <a:rPr lang="en-US"/>
               <a:t>Fifth level</a:t>
             </a:r>
-            <a:endParaRPr lang="en-US"/>
           </a:p>
         </p:txBody>
       </p:sp>
@@ -1611,7 +1601,7 @@
           <a:p>
             <a:fld id="{FE403678-DE4A-4987-AFEE-1BB7B316937B}" type="datetimeFigureOut">
               <a:rPr lang="en-US" smtClean="0"/>
-              <a:t>12/4/2018</a:t>
+              <a:t>8/31/2019</a:t>
             </a:fld>
             <a:endParaRPr lang="en-US"/>
           </a:p>
@@ -1705,10 +1695,9 @@
           <a:lstStyle/>
           <a:p>
             <a:r>
-              <a:rPr lang="en-US" smtClean="0"/>
+              <a:rPr lang="en-US"/>
               <a:t>Click to edit Master title style</a:t>
             </a:r>
-            <a:endParaRPr lang="en-US"/>
           </a:p>
         </p:txBody>
       </p:sp>
@@ -1729,7 +1718,7 @@
           <a:p>
             <a:fld id="{FE403678-DE4A-4987-AFEE-1BB7B316937B}" type="datetimeFigureOut">
               <a:rPr lang="en-US" smtClean="0"/>
-              <a:t>12/4/2018</a:t>
+              <a:t>8/31/2019</a:t>
             </a:fld>
             <a:endParaRPr lang="en-US"/>
           </a:p>
@@ -1824,7 +1813,7 @@
           <a:p>
             <a:fld id="{FE403678-DE4A-4987-AFEE-1BB7B316937B}" type="datetimeFigureOut">
               <a:rPr lang="en-US" smtClean="0"/>
-              <a:t>12/4/2018</a:t>
+              <a:t>8/31/2019</a:t>
             </a:fld>
             <a:endParaRPr lang="en-US"/>
           </a:p>
@@ -1927,10 +1916,9 @@
           </a:lstStyle>
           <a:p>
             <a:r>
-              <a:rPr lang="en-US" smtClean="0"/>
+              <a:rPr lang="en-US"/>
               <a:t>Click to edit Master title style</a:t>
             </a:r>
-            <a:endParaRPr lang="en-US"/>
           </a:p>
         </p:txBody>
       </p:sp>
@@ -1984,38 +1972,37 @@
           <a:p>
             <a:pPr lvl="0"/>
             <a:r>
-              <a:rPr lang="en-US" smtClean="0"/>
+              <a:rPr lang="en-US"/>
               <a:t>Click to edit Master text styles</a:t>
             </a:r>
           </a:p>
           <a:p>
             <a:pPr lvl="1"/>
             <a:r>
-              <a:rPr lang="en-US" smtClean="0"/>
+              <a:rPr lang="en-US"/>
               <a:t>Second level</a:t>
             </a:r>
           </a:p>
           <a:p>
             <a:pPr lvl="2"/>
             <a:r>
-              <a:rPr lang="en-US" smtClean="0"/>
+              <a:rPr lang="en-US"/>
               <a:t>Third level</a:t>
             </a:r>
           </a:p>
           <a:p>
             <a:pPr lvl="3"/>
             <a:r>
-              <a:rPr lang="en-US" smtClean="0"/>
+              <a:rPr lang="en-US"/>
               <a:t>Fourth level</a:t>
             </a:r>
           </a:p>
           <a:p>
             <a:pPr lvl="4"/>
             <a:r>
-              <a:rPr lang="en-US" smtClean="0"/>
+              <a:rPr lang="en-US"/>
               <a:t>Fifth level</a:t>
             </a:r>
-            <a:endParaRPr lang="en-US"/>
           </a:p>
         </p:txBody>
       </p:sp>
@@ -2078,7 +2065,7 @@
           <a:p>
             <a:pPr lvl="0"/>
             <a:r>
-              <a:rPr lang="en-US" smtClean="0"/>
+              <a:rPr lang="en-US"/>
               <a:t>Click to edit Master text styles</a:t>
             </a:r>
           </a:p>
@@ -2101,7 +2088,7 @@
           <a:p>
             <a:fld id="{FE403678-DE4A-4987-AFEE-1BB7B316937B}" type="datetimeFigureOut">
               <a:rPr lang="en-US" smtClean="0"/>
-              <a:t>12/4/2018</a:t>
+              <a:t>8/31/2019</a:t>
             </a:fld>
             <a:endParaRPr lang="en-US"/>
           </a:p>
@@ -2204,10 +2191,9 @@
           </a:lstStyle>
           <a:p>
             <a:r>
-              <a:rPr lang="en-US" smtClean="0"/>
+              <a:rPr lang="en-US"/>
               <a:t>Click to edit Master title style</a:t>
             </a:r>
-            <a:endParaRPr lang="en-US"/>
           </a:p>
         </p:txBody>
       </p:sp>
@@ -2331,7 +2317,7 @@
           <a:p>
             <a:pPr lvl="0"/>
             <a:r>
-              <a:rPr lang="en-US" smtClean="0"/>
+              <a:rPr lang="en-US"/>
               <a:t>Click to edit Master text styles</a:t>
             </a:r>
           </a:p>
@@ -2354,7 +2340,7 @@
           <a:p>
             <a:fld id="{FE403678-DE4A-4987-AFEE-1BB7B316937B}" type="datetimeFigureOut">
               <a:rPr lang="en-US" smtClean="0"/>
-              <a:t>12/4/2018</a:t>
+              <a:t>8/31/2019</a:t>
             </a:fld>
             <a:endParaRPr lang="en-US"/>
           </a:p>
@@ -2463,10 +2449,9 @@
           <a:lstStyle/>
           <a:p>
             <a:r>
-              <a:rPr lang="en-US" smtClean="0"/>
+              <a:rPr lang="en-US"/>
               <a:t>Click to edit Master title style</a:t>
             </a:r>
-            <a:endParaRPr lang="en-US"/>
           </a:p>
         </p:txBody>
       </p:sp>
@@ -2497,38 +2482,37 @@
           <a:p>
             <a:pPr lvl="0"/>
             <a:r>
-              <a:rPr lang="en-US" smtClean="0"/>
+              <a:rPr lang="en-US"/>
               <a:t>Click to edit Master text styles</a:t>
             </a:r>
           </a:p>
           <a:p>
             <a:pPr lvl="1"/>
             <a:r>
-              <a:rPr lang="en-US" smtClean="0"/>
+              <a:rPr lang="en-US"/>
               <a:t>Second level</a:t>
             </a:r>
           </a:p>
           <a:p>
             <a:pPr lvl="2"/>
             <a:r>
-              <a:rPr lang="en-US" smtClean="0"/>
+              <a:rPr lang="en-US"/>
               <a:t>Third level</a:t>
             </a:r>
           </a:p>
           <a:p>
             <a:pPr lvl="3"/>
             <a:r>
-              <a:rPr lang="en-US" smtClean="0"/>
+              <a:rPr lang="en-US"/>
               <a:t>Fourth level</a:t>
             </a:r>
           </a:p>
           <a:p>
             <a:pPr lvl="4"/>
             <a:r>
-              <a:rPr lang="en-US" smtClean="0"/>
+              <a:rPr lang="en-US"/>
               <a:t>Fifth level</a:t>
             </a:r>
-            <a:endParaRPr lang="en-US"/>
           </a:p>
         </p:txBody>
       </p:sp>
@@ -2567,7 +2551,7 @@
           <a:p>
             <a:fld id="{FE403678-DE4A-4987-AFEE-1BB7B316937B}" type="datetimeFigureOut">
               <a:rPr lang="en-US" smtClean="0"/>
-              <a:t>12/4/2018</a:t>
+              <a:t>8/31/2019</a:t>
             </a:fld>
             <a:endParaRPr lang="en-US"/>
           </a:p>
@@ -2974,1247 +2958,69 @@
       </p:grpSpPr>
       <p:sp>
         <p:nvSpPr>
-          <p:cNvPr id="5" name="Rounded Rectangle 4"/>
+          <p:cNvPr id="2" name="Rectangle 1">
+            <a:extLst>
+              <a:ext uri="{FF2B5EF4-FFF2-40B4-BE49-F238E27FC236}">
+                <a16:creationId xmlns:a16="http://schemas.microsoft.com/office/drawing/2014/main" id="{B87E8C97-122B-4DC3-B9DC-C229D66BCA3A}"/>
+              </a:ext>
+            </a:extLst>
+          </p:cNvPr>
           <p:cNvSpPr/>
           <p:nvPr/>
         </p:nvSpPr>
         <p:spPr>
           <a:xfrm>
-            <a:off x="2897345" y="322728"/>
-            <a:ext cx="1443320" cy="1380566"/>
-          </a:xfrm>
-          <a:prstGeom prst="roundRect">
-            <a:avLst/>
-          </a:prstGeom>
-        </p:spPr>
-        <p:style>
-          <a:lnRef idx="2">
-            <a:schemeClr val="accent2">
-              <a:shade val="50000"/>
-            </a:schemeClr>
-          </a:lnRef>
-          <a:fillRef idx="1">
-            <a:schemeClr val="accent2"/>
-          </a:fillRef>
-          <a:effectRef idx="0">
-            <a:schemeClr val="accent2"/>
-          </a:effectRef>
-          <a:fontRef idx="minor">
-            <a:schemeClr val="lt1"/>
-          </a:fontRef>
-        </p:style>
-        <p:txBody>
-          <a:bodyPr rtlCol="0" anchor="ctr"/>
+            <a:off x="2634092" y="2967335"/>
+            <a:ext cx="6923818" cy="923330"/>
+          </a:xfrm>
+          <a:prstGeom prst="rect">
+            <a:avLst/>
+          </a:prstGeom>
+          <a:noFill/>
+        </p:spPr>
+        <p:txBody>
+          <a:bodyPr wrap="none" lIns="91440" tIns="45720" rIns="91440" bIns="45720">
+            <a:spAutoFit/>
+          </a:bodyPr>
           <a:lstStyle/>
           <a:p>
             <a:pPr algn="ctr"/>
             <a:r>
-              <a:rPr lang="en-US" dirty="0" smtClean="0"/>
-              <a:t>Folder content page repository</a:t>
-            </a:r>
-            <a:endParaRPr lang="en-US" dirty="0"/>
-          </a:p>
-        </p:txBody>
-      </p:sp>
-      <p:sp>
-        <p:nvSpPr>
-          <p:cNvPr id="12" name="Rectangle 11"/>
-          <p:cNvSpPr/>
-          <p:nvPr/>
-        </p:nvSpPr>
-        <p:spPr>
-          <a:xfrm>
-            <a:off x="89646" y="0"/>
-            <a:ext cx="1102659" cy="6858000"/>
-          </a:xfrm>
-          <a:prstGeom prst="rect">
-            <a:avLst/>
-          </a:prstGeom>
-        </p:spPr>
-        <p:style>
-          <a:lnRef idx="2">
-            <a:schemeClr val="accent1">
-              <a:shade val="50000"/>
-            </a:schemeClr>
-          </a:lnRef>
-          <a:fillRef idx="1">
-            <a:schemeClr val="accent1"/>
-          </a:fillRef>
-          <a:effectRef idx="0">
-            <a:schemeClr val="accent1"/>
-          </a:effectRef>
-          <a:fontRef idx="minor">
-            <a:schemeClr val="lt1"/>
-          </a:fontRef>
-        </p:style>
-        <p:txBody>
-          <a:bodyPr rtlCol="0" anchor="ctr"/>
-          <a:lstStyle/>
-          <a:p>
-            <a:pPr algn="ctr"/>
-            <a:r>
-              <a:rPr lang="en-US" dirty="0" smtClean="0"/>
-              <a:t>Database </a:t>
-            </a:r>
-          </a:p>
-          <a:p>
-            <a:pPr algn="ctr"/>
-            <a:r>
-              <a:rPr lang="en-US" dirty="0" smtClean="0"/>
-              <a:t>File system</a:t>
-            </a:r>
-          </a:p>
-          <a:p>
-            <a:pPr algn="ctr"/>
-            <a:r>
-              <a:rPr lang="en-US" dirty="0" smtClean="0"/>
-              <a:t>Other</a:t>
-            </a:r>
-            <a:endParaRPr lang="en-US" dirty="0"/>
-          </a:p>
-        </p:txBody>
-      </p:sp>
-      <p:sp>
-        <p:nvSpPr>
-          <p:cNvPr id="13" name="Rounded Rectangle 12"/>
-          <p:cNvSpPr/>
-          <p:nvPr/>
-        </p:nvSpPr>
-        <p:spPr>
-          <a:xfrm>
-            <a:off x="2887754" y="2599763"/>
-            <a:ext cx="1443320" cy="1380566"/>
-          </a:xfrm>
-          <a:prstGeom prst="roundRect">
-            <a:avLst/>
-          </a:prstGeom>
-        </p:spPr>
-        <p:style>
-          <a:lnRef idx="2">
-            <a:schemeClr val="accent2">
-              <a:shade val="50000"/>
-            </a:schemeClr>
-          </a:lnRef>
-          <a:fillRef idx="1">
-            <a:schemeClr val="accent2"/>
-          </a:fillRef>
-          <a:effectRef idx="0">
-            <a:schemeClr val="accent2"/>
-          </a:effectRef>
-          <a:fontRef idx="minor">
-            <a:schemeClr val="lt1"/>
-          </a:fontRef>
-        </p:style>
-        <p:txBody>
-          <a:bodyPr rtlCol="0" anchor="ctr"/>
-          <a:lstStyle/>
-          <a:p>
-            <a:pPr algn="ctr"/>
-            <a:r>
-              <a:rPr lang="en-US" dirty="0" smtClean="0"/>
-              <a:t>Folder content folder repository</a:t>
-            </a:r>
-            <a:endParaRPr lang="en-US" dirty="0"/>
-          </a:p>
-        </p:txBody>
-      </p:sp>
-      <p:sp>
-        <p:nvSpPr>
-          <p:cNvPr id="14" name="Rounded Rectangle 13"/>
-          <p:cNvSpPr/>
-          <p:nvPr/>
-        </p:nvSpPr>
-        <p:spPr>
-          <a:xfrm>
-            <a:off x="2913528" y="5200811"/>
-            <a:ext cx="1443320" cy="1380566"/>
-          </a:xfrm>
-          <a:prstGeom prst="roundRect">
-            <a:avLst/>
-          </a:prstGeom>
-        </p:spPr>
-        <p:style>
-          <a:lnRef idx="2">
-            <a:schemeClr val="accent2">
-              <a:shade val="50000"/>
-            </a:schemeClr>
-          </a:lnRef>
-          <a:fillRef idx="1">
-            <a:schemeClr val="accent2"/>
-          </a:fillRef>
-          <a:effectRef idx="0">
-            <a:schemeClr val="accent2"/>
-          </a:effectRef>
-          <a:fontRef idx="minor">
-            <a:schemeClr val="lt1"/>
-          </a:fontRef>
-        </p:style>
-        <p:txBody>
-          <a:bodyPr rtlCol="0" anchor="ctr"/>
-          <a:lstStyle/>
-          <a:p>
-            <a:pPr algn="ctr"/>
-            <a:r>
-              <a:rPr lang="en-US" dirty="0" smtClean="0"/>
-              <a:t>Folder content file repository</a:t>
-            </a:r>
-            <a:endParaRPr lang="en-US" dirty="0"/>
-          </a:p>
-        </p:txBody>
-      </p:sp>
-      <p:sp>
-        <p:nvSpPr>
-          <p:cNvPr id="15" name="Rounded Rectangle 14"/>
-          <p:cNvSpPr/>
-          <p:nvPr/>
-        </p:nvSpPr>
-        <p:spPr>
-          <a:xfrm>
-            <a:off x="5959284" y="313765"/>
-            <a:ext cx="1443320" cy="1380566"/>
-          </a:xfrm>
-          <a:prstGeom prst="roundRect">
-            <a:avLst/>
-          </a:prstGeom>
-          <a:solidFill>
-            <a:schemeClr val="accent6">
-              <a:lumMod val="75000"/>
-            </a:schemeClr>
-          </a:solidFill>
-        </p:spPr>
-        <p:style>
-          <a:lnRef idx="2">
-            <a:schemeClr val="accent2">
-              <a:shade val="50000"/>
-            </a:schemeClr>
-          </a:lnRef>
-          <a:fillRef idx="1">
-            <a:schemeClr val="accent2"/>
-          </a:fillRef>
-          <a:effectRef idx="0">
-            <a:schemeClr val="accent2"/>
-          </a:effectRef>
-          <a:fontRef idx="minor">
-            <a:schemeClr val="lt1"/>
-          </a:fontRef>
-        </p:style>
-        <p:txBody>
-          <a:bodyPr rtlCol="0" anchor="ctr"/>
-          <a:lstStyle/>
-          <a:p>
-            <a:pPr algn="ctr"/>
-            <a:r>
-              <a:rPr lang="en-US" dirty="0" smtClean="0"/>
-              <a:t>Folder content page service</a:t>
-            </a:r>
-            <a:endParaRPr lang="en-US" dirty="0"/>
-          </a:p>
-        </p:txBody>
-      </p:sp>
-      <p:sp>
-        <p:nvSpPr>
-          <p:cNvPr id="16" name="Rounded Rectangle 15"/>
-          <p:cNvSpPr/>
-          <p:nvPr/>
-        </p:nvSpPr>
-        <p:spPr>
-          <a:xfrm>
-            <a:off x="5959284" y="2613212"/>
-            <a:ext cx="1443320" cy="1380566"/>
-          </a:xfrm>
-          <a:prstGeom prst="roundRect">
-            <a:avLst/>
-          </a:prstGeom>
-          <a:solidFill>
-            <a:schemeClr val="accent6">
-              <a:lumMod val="75000"/>
-            </a:schemeClr>
-          </a:solidFill>
-        </p:spPr>
-        <p:style>
-          <a:lnRef idx="2">
-            <a:schemeClr val="accent2">
-              <a:shade val="50000"/>
-            </a:schemeClr>
-          </a:lnRef>
-          <a:fillRef idx="1">
-            <a:schemeClr val="accent2"/>
-          </a:fillRef>
-          <a:effectRef idx="0">
-            <a:schemeClr val="accent2"/>
-          </a:effectRef>
-          <a:fontRef idx="minor">
-            <a:schemeClr val="lt1"/>
-          </a:fontRef>
-        </p:style>
-        <p:txBody>
-          <a:bodyPr rtlCol="0" anchor="ctr"/>
-          <a:lstStyle/>
-          <a:p>
-            <a:pPr algn="ctr"/>
-            <a:r>
-              <a:rPr lang="en-US" dirty="0" smtClean="0"/>
-              <a:t>Folder content folder service</a:t>
-            </a:r>
-            <a:endParaRPr lang="en-US" dirty="0"/>
-          </a:p>
-        </p:txBody>
-      </p:sp>
-      <p:sp>
-        <p:nvSpPr>
-          <p:cNvPr id="17" name="Rounded Rectangle 16"/>
-          <p:cNvSpPr/>
-          <p:nvPr/>
-        </p:nvSpPr>
-        <p:spPr>
-          <a:xfrm>
-            <a:off x="5959284" y="5195047"/>
-            <a:ext cx="1443320" cy="1380566"/>
-          </a:xfrm>
-          <a:prstGeom prst="roundRect">
-            <a:avLst/>
-          </a:prstGeom>
-          <a:solidFill>
-            <a:schemeClr val="accent6">
-              <a:lumMod val="75000"/>
-            </a:schemeClr>
-          </a:solidFill>
-        </p:spPr>
-        <p:style>
-          <a:lnRef idx="2">
-            <a:schemeClr val="accent2">
-              <a:shade val="50000"/>
-            </a:schemeClr>
-          </a:lnRef>
-          <a:fillRef idx="1">
-            <a:schemeClr val="accent2"/>
-          </a:fillRef>
-          <a:effectRef idx="0">
-            <a:schemeClr val="accent2"/>
-          </a:effectRef>
-          <a:fontRef idx="minor">
-            <a:schemeClr val="lt1"/>
-          </a:fontRef>
-        </p:style>
-        <p:txBody>
-          <a:bodyPr rtlCol="0" anchor="ctr"/>
-          <a:lstStyle/>
-          <a:p>
-            <a:pPr algn="ctr"/>
-            <a:r>
-              <a:rPr lang="en-US" dirty="0" smtClean="0"/>
-              <a:t>Folder content file service</a:t>
-            </a:r>
-            <a:endParaRPr lang="en-US" dirty="0"/>
-          </a:p>
-        </p:txBody>
-      </p:sp>
-      <p:sp>
-        <p:nvSpPr>
-          <p:cNvPr id="19" name="Rounded Rectangle 18"/>
-          <p:cNvSpPr/>
-          <p:nvPr/>
-        </p:nvSpPr>
-        <p:spPr>
-          <a:xfrm>
-            <a:off x="8969187" y="2581836"/>
-            <a:ext cx="1443320" cy="1380566"/>
-          </a:xfrm>
-          <a:prstGeom prst="roundRect">
-            <a:avLst/>
-          </a:prstGeom>
-          <a:solidFill>
-            <a:schemeClr val="tx2">
-              <a:lumMod val="75000"/>
-            </a:schemeClr>
-          </a:solidFill>
-        </p:spPr>
-        <p:style>
-          <a:lnRef idx="2">
-            <a:schemeClr val="accent2">
-              <a:shade val="50000"/>
-            </a:schemeClr>
-          </a:lnRef>
-          <a:fillRef idx="1">
-            <a:schemeClr val="accent2"/>
-          </a:fillRef>
-          <a:effectRef idx="0">
-            <a:schemeClr val="accent2"/>
-          </a:effectRef>
-          <a:fontRef idx="minor">
-            <a:schemeClr val="lt1"/>
-          </a:fontRef>
-        </p:style>
-        <p:txBody>
-          <a:bodyPr rtlCol="0" anchor="ctr"/>
-          <a:lstStyle/>
-          <a:p>
-            <a:pPr algn="ctr"/>
-            <a:r>
-              <a:rPr lang="en-US" dirty="0" smtClean="0"/>
-              <a:t>Folder content service</a:t>
-            </a:r>
-            <a:endParaRPr lang="en-US" dirty="0"/>
-          </a:p>
-        </p:txBody>
-      </p:sp>
-      <p:sp>
-        <p:nvSpPr>
-          <p:cNvPr id="20" name="Rectangle 19"/>
-          <p:cNvSpPr/>
-          <p:nvPr/>
-        </p:nvSpPr>
-        <p:spPr>
-          <a:xfrm>
-            <a:off x="10766611" y="0"/>
-            <a:ext cx="1277471" cy="6858000"/>
-          </a:xfrm>
-          <a:prstGeom prst="rect">
-            <a:avLst/>
-          </a:prstGeom>
-          <a:solidFill>
-            <a:schemeClr val="accent4">
-              <a:lumMod val="75000"/>
-            </a:schemeClr>
-          </a:solidFill>
-        </p:spPr>
-        <p:style>
-          <a:lnRef idx="2">
-            <a:schemeClr val="accent1">
-              <a:shade val="50000"/>
-            </a:schemeClr>
-          </a:lnRef>
-          <a:fillRef idx="1">
-            <a:schemeClr val="accent1"/>
-          </a:fillRef>
-          <a:effectRef idx="0">
-            <a:schemeClr val="accent1"/>
-          </a:effectRef>
-          <a:fontRef idx="minor">
-            <a:schemeClr val="lt1"/>
-          </a:fontRef>
-        </p:style>
-        <p:txBody>
-          <a:bodyPr rtlCol="0" anchor="ctr"/>
-          <a:lstStyle/>
-          <a:p>
-            <a:pPr algn="ctr"/>
-            <a:r>
-              <a:rPr lang="en-US" dirty="0" smtClean="0"/>
-              <a:t>Endpoint</a:t>
-            </a:r>
-            <a:endParaRPr lang="en-US" dirty="0"/>
-          </a:p>
-        </p:txBody>
-      </p:sp>
-      <p:cxnSp>
-        <p:nvCxnSpPr>
-          <p:cNvPr id="22" name="Straight Arrow Connector 21"/>
-          <p:cNvCxnSpPr>
-            <a:stCxn id="19" idx="1"/>
-          </p:cNvCxnSpPr>
-          <p:nvPr/>
-        </p:nvCxnSpPr>
-        <p:spPr>
-          <a:xfrm flipH="1" flipV="1">
-            <a:off x="7530353" y="1304365"/>
-            <a:ext cx="1438834" cy="1967754"/>
-          </a:xfrm>
-          <a:prstGeom prst="straightConnector1">
-            <a:avLst/>
-          </a:prstGeom>
-          <a:ln>
-            <a:tailEnd type="triangle"/>
-          </a:ln>
-        </p:spPr>
-        <p:style>
-          <a:lnRef idx="1">
-            <a:schemeClr val="accent1"/>
-          </a:lnRef>
-          <a:fillRef idx="0">
-            <a:schemeClr val="accent1"/>
-          </a:fillRef>
-          <a:effectRef idx="0">
-            <a:schemeClr val="accent1"/>
-          </a:effectRef>
-          <a:fontRef idx="minor">
-            <a:schemeClr val="tx1"/>
-          </a:fontRef>
-        </p:style>
-      </p:cxnSp>
-      <p:cxnSp>
-        <p:nvCxnSpPr>
-          <p:cNvPr id="24" name="Straight Arrow Connector 23"/>
-          <p:cNvCxnSpPr>
-            <a:stCxn id="19" idx="1"/>
-          </p:cNvCxnSpPr>
-          <p:nvPr/>
-        </p:nvCxnSpPr>
-        <p:spPr>
-          <a:xfrm flipH="1" flipV="1">
-            <a:off x="7466479" y="3225055"/>
-            <a:ext cx="1502708" cy="47064"/>
-          </a:xfrm>
-          <a:prstGeom prst="straightConnector1">
-            <a:avLst/>
-          </a:prstGeom>
-          <a:ln>
-            <a:tailEnd type="triangle"/>
-          </a:ln>
-        </p:spPr>
-        <p:style>
-          <a:lnRef idx="1">
-            <a:schemeClr val="accent1"/>
-          </a:lnRef>
-          <a:fillRef idx="0">
-            <a:schemeClr val="accent1"/>
-          </a:fillRef>
-          <a:effectRef idx="0">
-            <a:schemeClr val="accent1"/>
-          </a:effectRef>
-          <a:fontRef idx="minor">
-            <a:schemeClr val="tx1"/>
-          </a:fontRef>
-        </p:style>
-      </p:cxnSp>
-      <p:cxnSp>
-        <p:nvCxnSpPr>
-          <p:cNvPr id="26" name="Straight Arrow Connector 25"/>
-          <p:cNvCxnSpPr>
-            <a:stCxn id="19" idx="1"/>
-          </p:cNvCxnSpPr>
-          <p:nvPr/>
-        </p:nvCxnSpPr>
-        <p:spPr>
-          <a:xfrm flipH="1">
-            <a:off x="7481049" y="3272119"/>
-            <a:ext cx="1488138" cy="2003610"/>
-          </a:xfrm>
-          <a:prstGeom prst="straightConnector1">
-            <a:avLst/>
-          </a:prstGeom>
-          <a:ln>
-            <a:tailEnd type="triangle"/>
-          </a:ln>
-        </p:spPr>
-        <p:style>
-          <a:lnRef idx="1">
-            <a:schemeClr val="accent1"/>
-          </a:lnRef>
-          <a:fillRef idx="0">
-            <a:schemeClr val="accent1"/>
-          </a:fillRef>
-          <a:effectRef idx="0">
-            <a:schemeClr val="accent1"/>
-          </a:effectRef>
-          <a:fontRef idx="minor">
-            <a:schemeClr val="tx1"/>
-          </a:fontRef>
-        </p:style>
-      </p:cxnSp>
-      <p:cxnSp>
-        <p:nvCxnSpPr>
-          <p:cNvPr id="28" name="Straight Arrow Connector 27"/>
-          <p:cNvCxnSpPr>
-            <a:stCxn id="15" idx="1"/>
-          </p:cNvCxnSpPr>
-          <p:nvPr/>
-        </p:nvCxnSpPr>
-        <p:spPr>
-          <a:xfrm flipH="1" flipV="1">
-            <a:off x="4335560" y="972670"/>
-            <a:ext cx="1623724" cy="31378"/>
-          </a:xfrm>
-          <a:prstGeom prst="straightConnector1">
-            <a:avLst/>
-          </a:prstGeom>
-          <a:ln>
-            <a:tailEnd type="triangle"/>
-          </a:ln>
-        </p:spPr>
-        <p:style>
-          <a:lnRef idx="1">
-            <a:schemeClr val="accent1"/>
-          </a:lnRef>
-          <a:fillRef idx="0">
-            <a:schemeClr val="accent1"/>
-          </a:fillRef>
-          <a:effectRef idx="0">
-            <a:schemeClr val="accent1"/>
-          </a:effectRef>
-          <a:fontRef idx="minor">
-            <a:schemeClr val="tx1"/>
-          </a:fontRef>
-        </p:style>
-      </p:cxnSp>
-      <p:cxnSp>
-        <p:nvCxnSpPr>
-          <p:cNvPr id="30" name="Straight Arrow Connector 29"/>
-          <p:cNvCxnSpPr>
-            <a:stCxn id="15" idx="1"/>
-          </p:cNvCxnSpPr>
-          <p:nvPr/>
-        </p:nvCxnSpPr>
-        <p:spPr>
-          <a:xfrm flipH="1">
-            <a:off x="4370296" y="1004048"/>
-            <a:ext cx="1588988" cy="2079810"/>
-          </a:xfrm>
-          <a:prstGeom prst="straightConnector1">
-            <a:avLst/>
-          </a:prstGeom>
-          <a:ln>
-            <a:tailEnd type="triangle"/>
-          </a:ln>
-        </p:spPr>
-        <p:style>
-          <a:lnRef idx="1">
-            <a:schemeClr val="accent1"/>
-          </a:lnRef>
-          <a:fillRef idx="0">
-            <a:schemeClr val="accent1"/>
-          </a:fillRef>
-          <a:effectRef idx="0">
-            <a:schemeClr val="accent1"/>
-          </a:effectRef>
-          <a:fontRef idx="minor">
-            <a:schemeClr val="tx1"/>
-          </a:fontRef>
-        </p:style>
-      </p:cxnSp>
-      <p:cxnSp>
-        <p:nvCxnSpPr>
-          <p:cNvPr id="32" name="Straight Arrow Connector 31"/>
-          <p:cNvCxnSpPr>
-            <a:stCxn id="15" idx="1"/>
-          </p:cNvCxnSpPr>
-          <p:nvPr/>
-        </p:nvCxnSpPr>
-        <p:spPr>
-          <a:xfrm flipH="1">
-            <a:off x="4399434" y="1004048"/>
-            <a:ext cx="1559850" cy="4852154"/>
-          </a:xfrm>
-          <a:prstGeom prst="straightConnector1">
-            <a:avLst/>
-          </a:prstGeom>
-          <a:ln>
-            <a:tailEnd type="triangle"/>
-          </a:ln>
-        </p:spPr>
-        <p:style>
-          <a:lnRef idx="1">
-            <a:schemeClr val="accent1"/>
-          </a:lnRef>
-          <a:fillRef idx="0">
-            <a:schemeClr val="accent1"/>
-          </a:fillRef>
-          <a:effectRef idx="0">
-            <a:schemeClr val="accent1"/>
-          </a:effectRef>
-          <a:fontRef idx="minor">
-            <a:schemeClr val="tx1"/>
-          </a:fontRef>
-        </p:style>
-      </p:cxnSp>
-      <p:cxnSp>
-        <p:nvCxnSpPr>
-          <p:cNvPr id="34" name="Straight Arrow Connector 33"/>
-          <p:cNvCxnSpPr>
-            <a:stCxn id="16" idx="1"/>
-          </p:cNvCxnSpPr>
-          <p:nvPr/>
-        </p:nvCxnSpPr>
-        <p:spPr>
-          <a:xfrm flipH="1" flipV="1">
-            <a:off x="4370296" y="972671"/>
-            <a:ext cx="1588988" cy="2330824"/>
-          </a:xfrm>
-          <a:prstGeom prst="straightConnector1">
-            <a:avLst/>
-          </a:prstGeom>
-          <a:ln>
-            <a:tailEnd type="triangle"/>
-          </a:ln>
-        </p:spPr>
-        <p:style>
-          <a:lnRef idx="1">
-            <a:schemeClr val="accent1"/>
-          </a:lnRef>
-          <a:fillRef idx="0">
-            <a:schemeClr val="accent1"/>
-          </a:fillRef>
-          <a:effectRef idx="0">
-            <a:schemeClr val="accent1"/>
-          </a:effectRef>
-          <a:fontRef idx="minor">
-            <a:schemeClr val="tx1"/>
-          </a:fontRef>
-        </p:style>
-      </p:cxnSp>
-      <p:cxnSp>
-        <p:nvCxnSpPr>
-          <p:cNvPr id="36" name="Straight Arrow Connector 35"/>
-          <p:cNvCxnSpPr>
-            <a:stCxn id="16" idx="1"/>
-          </p:cNvCxnSpPr>
-          <p:nvPr/>
-        </p:nvCxnSpPr>
-        <p:spPr>
-          <a:xfrm flipH="1" flipV="1">
-            <a:off x="4370296" y="3225055"/>
-            <a:ext cx="1588988" cy="78440"/>
-          </a:xfrm>
-          <a:prstGeom prst="straightConnector1">
-            <a:avLst/>
-          </a:prstGeom>
-          <a:ln>
-            <a:tailEnd type="triangle"/>
-          </a:ln>
-        </p:spPr>
-        <p:style>
-          <a:lnRef idx="1">
-            <a:schemeClr val="accent1"/>
-          </a:lnRef>
-          <a:fillRef idx="0">
-            <a:schemeClr val="accent1"/>
-          </a:fillRef>
-          <a:effectRef idx="0">
-            <a:schemeClr val="accent1"/>
-          </a:effectRef>
-          <a:fontRef idx="minor">
-            <a:schemeClr val="tx1"/>
-          </a:fontRef>
-        </p:style>
-      </p:cxnSp>
-      <p:cxnSp>
-        <p:nvCxnSpPr>
-          <p:cNvPr id="38" name="Straight Arrow Connector 37"/>
-          <p:cNvCxnSpPr>
-            <a:stCxn id="16" idx="1"/>
-          </p:cNvCxnSpPr>
-          <p:nvPr/>
-        </p:nvCxnSpPr>
-        <p:spPr>
-          <a:xfrm flipH="1">
-            <a:off x="4399434" y="3303495"/>
-            <a:ext cx="1559850" cy="2540375"/>
-          </a:xfrm>
-          <a:prstGeom prst="straightConnector1">
-            <a:avLst/>
-          </a:prstGeom>
-          <a:ln>
-            <a:tailEnd type="triangle"/>
-          </a:ln>
-        </p:spPr>
-        <p:style>
-          <a:lnRef idx="1">
-            <a:schemeClr val="accent1"/>
-          </a:lnRef>
-          <a:fillRef idx="0">
-            <a:schemeClr val="accent1"/>
-          </a:fillRef>
-          <a:effectRef idx="0">
-            <a:schemeClr val="accent1"/>
-          </a:effectRef>
-          <a:fontRef idx="minor">
-            <a:schemeClr val="tx1"/>
-          </a:fontRef>
-        </p:style>
-      </p:cxnSp>
-      <p:cxnSp>
-        <p:nvCxnSpPr>
-          <p:cNvPr id="40" name="Straight Arrow Connector 39"/>
-          <p:cNvCxnSpPr>
-            <a:stCxn id="17" idx="1"/>
-          </p:cNvCxnSpPr>
-          <p:nvPr/>
-        </p:nvCxnSpPr>
-        <p:spPr>
-          <a:xfrm flipH="1" flipV="1">
-            <a:off x="4399434" y="1021982"/>
-            <a:ext cx="1559850" cy="4863348"/>
-          </a:xfrm>
-          <a:prstGeom prst="straightConnector1">
-            <a:avLst/>
-          </a:prstGeom>
-          <a:ln>
-            <a:tailEnd type="triangle"/>
-          </a:ln>
-        </p:spPr>
-        <p:style>
-          <a:lnRef idx="1">
-            <a:schemeClr val="accent1"/>
-          </a:lnRef>
-          <a:fillRef idx="0">
-            <a:schemeClr val="accent1"/>
-          </a:fillRef>
-          <a:effectRef idx="0">
-            <a:schemeClr val="accent1"/>
-          </a:effectRef>
-          <a:fontRef idx="minor">
-            <a:schemeClr val="tx1"/>
-          </a:fontRef>
-        </p:style>
-      </p:cxnSp>
-      <p:cxnSp>
-        <p:nvCxnSpPr>
-          <p:cNvPr id="42" name="Straight Arrow Connector 41"/>
-          <p:cNvCxnSpPr>
-            <a:stCxn id="17" idx="1"/>
-          </p:cNvCxnSpPr>
-          <p:nvPr/>
-        </p:nvCxnSpPr>
-        <p:spPr>
-          <a:xfrm flipH="1" flipV="1">
-            <a:off x="4415124" y="3357282"/>
-            <a:ext cx="1544160" cy="2528048"/>
-          </a:xfrm>
-          <a:prstGeom prst="straightConnector1">
-            <a:avLst/>
-          </a:prstGeom>
-          <a:ln>
-            <a:tailEnd type="triangle"/>
-          </a:ln>
-        </p:spPr>
-        <p:style>
-          <a:lnRef idx="1">
-            <a:schemeClr val="accent1"/>
-          </a:lnRef>
-          <a:fillRef idx="0">
-            <a:schemeClr val="accent1"/>
-          </a:fillRef>
-          <a:effectRef idx="0">
-            <a:schemeClr val="accent1"/>
-          </a:effectRef>
-          <a:fontRef idx="minor">
-            <a:schemeClr val="tx1"/>
-          </a:fontRef>
-        </p:style>
-      </p:cxnSp>
-      <p:cxnSp>
-        <p:nvCxnSpPr>
-          <p:cNvPr id="44" name="Straight Arrow Connector 43"/>
-          <p:cNvCxnSpPr>
-            <a:stCxn id="17" idx="1"/>
-          </p:cNvCxnSpPr>
-          <p:nvPr/>
-        </p:nvCxnSpPr>
-        <p:spPr>
-          <a:xfrm flipH="1" flipV="1">
-            <a:off x="4370296" y="5836022"/>
-            <a:ext cx="1588988" cy="49308"/>
-          </a:xfrm>
-          <a:prstGeom prst="straightConnector1">
-            <a:avLst/>
-          </a:prstGeom>
-          <a:ln>
-            <a:tailEnd type="triangle"/>
-          </a:ln>
-        </p:spPr>
-        <p:style>
-          <a:lnRef idx="1">
-            <a:schemeClr val="accent1"/>
-          </a:lnRef>
-          <a:fillRef idx="0">
-            <a:schemeClr val="accent1"/>
-          </a:fillRef>
-          <a:effectRef idx="0">
-            <a:schemeClr val="accent1"/>
-          </a:effectRef>
-          <a:fontRef idx="minor">
-            <a:schemeClr val="tx1"/>
-          </a:fontRef>
-        </p:style>
-      </p:cxnSp>
-      <p:cxnSp>
-        <p:nvCxnSpPr>
-          <p:cNvPr id="48" name="Straight Arrow Connector 47"/>
-          <p:cNvCxnSpPr>
-            <a:stCxn id="5" idx="1"/>
-          </p:cNvCxnSpPr>
-          <p:nvPr/>
-        </p:nvCxnSpPr>
-        <p:spPr>
-          <a:xfrm flipH="1">
-            <a:off x="2077581" y="1013011"/>
-            <a:ext cx="819764" cy="1405858"/>
-          </a:xfrm>
-          <a:prstGeom prst="straightConnector1">
-            <a:avLst/>
-          </a:prstGeom>
-          <a:ln>
-            <a:tailEnd type="triangle"/>
-          </a:ln>
-        </p:spPr>
-        <p:style>
-          <a:lnRef idx="1">
-            <a:schemeClr val="accent1"/>
-          </a:lnRef>
-          <a:fillRef idx="0">
-            <a:schemeClr val="accent1"/>
-          </a:fillRef>
-          <a:effectRef idx="0">
-            <a:schemeClr val="accent1"/>
-          </a:effectRef>
-          <a:fontRef idx="minor">
-            <a:schemeClr val="tx1"/>
-          </a:fontRef>
-        </p:style>
-      </p:cxnSp>
-      <p:cxnSp>
-        <p:nvCxnSpPr>
-          <p:cNvPr id="49" name="Straight Arrow Connector 48"/>
-          <p:cNvCxnSpPr/>
-          <p:nvPr/>
-        </p:nvCxnSpPr>
-        <p:spPr>
-          <a:xfrm flipH="1">
-            <a:off x="2070851" y="3267641"/>
-            <a:ext cx="61555" cy="0"/>
-          </a:xfrm>
-          <a:prstGeom prst="straightConnector1">
-            <a:avLst/>
-          </a:prstGeom>
-          <a:ln>
-            <a:tailEnd type="triangle"/>
-          </a:ln>
-        </p:spPr>
-        <p:style>
-          <a:lnRef idx="1">
-            <a:schemeClr val="accent1"/>
-          </a:lnRef>
-          <a:fillRef idx="0">
-            <a:schemeClr val="accent1"/>
-          </a:fillRef>
-          <a:effectRef idx="0">
-            <a:schemeClr val="accent1"/>
-          </a:effectRef>
-          <a:fontRef idx="minor">
-            <a:schemeClr val="tx1"/>
-          </a:fontRef>
-        </p:style>
-      </p:cxnSp>
-      <p:cxnSp>
-        <p:nvCxnSpPr>
-          <p:cNvPr id="52" name="Straight Arrow Connector 51"/>
-          <p:cNvCxnSpPr/>
-          <p:nvPr/>
-        </p:nvCxnSpPr>
-        <p:spPr>
-          <a:xfrm flipH="1">
-            <a:off x="10443882" y="3247468"/>
-            <a:ext cx="291354" cy="0"/>
-          </a:xfrm>
-          <a:prstGeom prst="straightConnector1">
-            <a:avLst/>
-          </a:prstGeom>
-          <a:ln>
-            <a:tailEnd type="triangle"/>
-          </a:ln>
-        </p:spPr>
-        <p:style>
-          <a:lnRef idx="1">
-            <a:schemeClr val="accent1"/>
-          </a:lnRef>
-          <a:fillRef idx="0">
-            <a:schemeClr val="accent1"/>
-          </a:fillRef>
-          <a:effectRef idx="0">
-            <a:schemeClr val="accent1"/>
-          </a:effectRef>
-          <a:fontRef idx="minor">
-            <a:schemeClr val="tx1"/>
-          </a:fontRef>
-        </p:style>
-      </p:cxnSp>
-      <p:cxnSp>
-        <p:nvCxnSpPr>
-          <p:cNvPr id="54" name="Straight Arrow Connector 53"/>
-          <p:cNvCxnSpPr>
-            <a:stCxn id="16" idx="0"/>
-          </p:cNvCxnSpPr>
-          <p:nvPr/>
-        </p:nvCxnSpPr>
-        <p:spPr>
-          <a:xfrm flipV="1">
-            <a:off x="6680944" y="1783976"/>
-            <a:ext cx="0" cy="829236"/>
-          </a:xfrm>
-          <a:prstGeom prst="straightConnector1">
-            <a:avLst/>
-          </a:prstGeom>
-          <a:ln>
-            <a:headEnd type="triangle"/>
-            <a:tailEnd type="triangle"/>
-          </a:ln>
-        </p:spPr>
-        <p:style>
-          <a:lnRef idx="1">
-            <a:schemeClr val="accent1"/>
-          </a:lnRef>
-          <a:fillRef idx="0">
-            <a:schemeClr val="accent1"/>
-          </a:fillRef>
-          <a:effectRef idx="0">
-            <a:schemeClr val="accent1"/>
-          </a:effectRef>
-          <a:fontRef idx="minor">
-            <a:schemeClr val="tx1"/>
-          </a:fontRef>
-        </p:style>
-      </p:cxnSp>
-      <p:cxnSp>
-        <p:nvCxnSpPr>
-          <p:cNvPr id="55" name="Straight Arrow Connector 54"/>
-          <p:cNvCxnSpPr/>
-          <p:nvPr/>
-        </p:nvCxnSpPr>
-        <p:spPr>
-          <a:xfrm flipV="1">
-            <a:off x="6680944" y="4122481"/>
-            <a:ext cx="0" cy="973954"/>
-          </a:xfrm>
-          <a:prstGeom prst="straightConnector1">
-            <a:avLst/>
-          </a:prstGeom>
-          <a:ln>
-            <a:headEnd type="triangle"/>
-            <a:tailEnd type="triangle"/>
-          </a:ln>
-        </p:spPr>
-        <p:style>
-          <a:lnRef idx="1">
-            <a:schemeClr val="accent1"/>
-          </a:lnRef>
-          <a:fillRef idx="0">
-            <a:schemeClr val="accent1"/>
-          </a:fillRef>
-          <a:effectRef idx="0">
-            <a:schemeClr val="accent1"/>
-          </a:effectRef>
-          <a:fontRef idx="minor">
-            <a:schemeClr val="tx1"/>
-          </a:fontRef>
-        </p:style>
-      </p:cxnSp>
-      <p:sp>
-        <p:nvSpPr>
-          <p:cNvPr id="35" name="Rounded Rectangle 34"/>
-          <p:cNvSpPr/>
-          <p:nvPr/>
-        </p:nvSpPr>
-        <p:spPr>
-          <a:xfrm>
-            <a:off x="1400731" y="2516842"/>
-            <a:ext cx="1304371" cy="1573306"/>
-          </a:xfrm>
-          <a:prstGeom prst="roundRect">
-            <a:avLst/>
-          </a:prstGeom>
-        </p:spPr>
-        <p:style>
-          <a:lnRef idx="2">
-            <a:schemeClr val="accent2">
-              <a:shade val="50000"/>
-            </a:schemeClr>
-          </a:lnRef>
-          <a:fillRef idx="1">
-            <a:schemeClr val="accent2"/>
-          </a:fillRef>
-          <a:effectRef idx="0">
-            <a:schemeClr val="accent2"/>
-          </a:effectRef>
-          <a:fontRef idx="minor">
-            <a:schemeClr val="lt1"/>
-          </a:fontRef>
-        </p:style>
-        <p:txBody>
-          <a:bodyPr rtlCol="0" anchor="ctr"/>
-          <a:lstStyle/>
-          <a:p>
-            <a:pPr algn="ctr"/>
-            <a:r>
-              <a:rPr lang="en-US" dirty="0" smtClean="0"/>
-              <a:t>Generic repository</a:t>
-            </a:r>
-            <a:endParaRPr lang="en-US" dirty="0"/>
-          </a:p>
-        </p:txBody>
-      </p:sp>
-      <p:cxnSp>
-        <p:nvCxnSpPr>
-          <p:cNvPr id="37" name="Straight Arrow Connector 36"/>
-          <p:cNvCxnSpPr>
-            <a:stCxn id="14" idx="1"/>
-          </p:cNvCxnSpPr>
-          <p:nvPr/>
-        </p:nvCxnSpPr>
-        <p:spPr>
-          <a:xfrm flipH="1" flipV="1">
-            <a:off x="2250139" y="4128245"/>
-            <a:ext cx="663389" cy="1762849"/>
-          </a:xfrm>
-          <a:prstGeom prst="straightConnector1">
-            <a:avLst/>
-          </a:prstGeom>
-          <a:ln>
-            <a:tailEnd type="triangle"/>
-          </a:ln>
-        </p:spPr>
-        <p:style>
-          <a:lnRef idx="1">
-            <a:schemeClr val="accent1"/>
-          </a:lnRef>
-          <a:fillRef idx="0">
-            <a:schemeClr val="accent1"/>
-          </a:fillRef>
-          <a:effectRef idx="0">
-            <a:schemeClr val="accent1"/>
-          </a:effectRef>
-          <a:fontRef idx="minor">
-            <a:schemeClr val="tx1"/>
-          </a:fontRef>
-        </p:style>
-      </p:cxnSp>
-      <p:cxnSp>
-        <p:nvCxnSpPr>
-          <p:cNvPr id="63" name="Straight Arrow Connector 62"/>
-          <p:cNvCxnSpPr/>
-          <p:nvPr/>
-        </p:nvCxnSpPr>
-        <p:spPr>
-          <a:xfrm flipV="1">
-            <a:off x="3635188" y="1783976"/>
-            <a:ext cx="0" cy="748553"/>
-          </a:xfrm>
-          <a:prstGeom prst="straightConnector1">
-            <a:avLst/>
-          </a:prstGeom>
-          <a:ln>
-            <a:headEnd type="triangle"/>
-            <a:tailEnd type="triangle"/>
-          </a:ln>
-        </p:spPr>
-        <p:style>
-          <a:lnRef idx="1">
-            <a:schemeClr val="accent1"/>
-          </a:lnRef>
-          <a:fillRef idx="0">
-            <a:schemeClr val="accent1"/>
-          </a:fillRef>
-          <a:effectRef idx="0">
-            <a:schemeClr val="accent1"/>
-          </a:effectRef>
-          <a:fontRef idx="minor">
-            <a:schemeClr val="tx1"/>
-          </a:fontRef>
-        </p:style>
-      </p:cxnSp>
-      <p:cxnSp>
-        <p:nvCxnSpPr>
-          <p:cNvPr id="64" name="Straight Arrow Connector 63"/>
-          <p:cNvCxnSpPr/>
-          <p:nvPr/>
-        </p:nvCxnSpPr>
-        <p:spPr>
-          <a:xfrm flipV="1">
-            <a:off x="3635192" y="4078939"/>
-            <a:ext cx="13447" cy="1066800"/>
-          </a:xfrm>
-          <a:prstGeom prst="straightConnector1">
-            <a:avLst/>
-          </a:prstGeom>
-          <a:ln>
-            <a:headEnd type="triangle"/>
-            <a:tailEnd type="triangle"/>
-          </a:ln>
-        </p:spPr>
-        <p:style>
-          <a:lnRef idx="1">
-            <a:schemeClr val="accent1"/>
-          </a:lnRef>
-          <a:fillRef idx="0">
-            <a:schemeClr val="accent1"/>
-          </a:fillRef>
-          <a:effectRef idx="0">
-            <a:schemeClr val="accent1"/>
-          </a:effectRef>
-          <a:fontRef idx="minor">
-            <a:schemeClr val="tx1"/>
-          </a:fontRef>
-        </p:style>
-      </p:cxnSp>
-      <p:cxnSp>
-        <p:nvCxnSpPr>
-          <p:cNvPr id="74" name="Straight Arrow Connector 73"/>
-          <p:cNvCxnSpPr/>
-          <p:nvPr/>
-        </p:nvCxnSpPr>
-        <p:spPr>
-          <a:xfrm flipH="1">
-            <a:off x="2695013" y="3319191"/>
-            <a:ext cx="192741" cy="0"/>
-          </a:xfrm>
-          <a:prstGeom prst="straightConnector1">
-            <a:avLst/>
-          </a:prstGeom>
-          <a:ln>
-            <a:tailEnd type="triangle"/>
-          </a:ln>
-        </p:spPr>
-        <p:style>
-          <a:lnRef idx="1">
-            <a:schemeClr val="accent1"/>
-          </a:lnRef>
-          <a:fillRef idx="0">
-            <a:schemeClr val="accent1"/>
-          </a:fillRef>
-          <a:effectRef idx="0">
-            <a:schemeClr val="accent1"/>
-          </a:effectRef>
-          <a:fontRef idx="minor">
-            <a:schemeClr val="tx1"/>
-          </a:fontRef>
-        </p:style>
-      </p:cxnSp>
-      <p:cxnSp>
-        <p:nvCxnSpPr>
-          <p:cNvPr id="75" name="Straight Arrow Connector 74"/>
-          <p:cNvCxnSpPr/>
-          <p:nvPr/>
-        </p:nvCxnSpPr>
-        <p:spPr>
-          <a:xfrm flipH="1">
-            <a:off x="1192305" y="3346085"/>
-            <a:ext cx="192741" cy="0"/>
-          </a:xfrm>
-          <a:prstGeom prst="straightConnector1">
-            <a:avLst/>
-          </a:prstGeom>
-          <a:ln>
-            <a:tailEnd type="triangle"/>
-          </a:ln>
-        </p:spPr>
-        <p:style>
-          <a:lnRef idx="1">
-            <a:schemeClr val="accent1"/>
-          </a:lnRef>
-          <a:fillRef idx="0">
-            <a:schemeClr val="accent1"/>
-          </a:fillRef>
-          <a:effectRef idx="0">
-            <a:schemeClr val="accent1"/>
-          </a:effectRef>
-          <a:fontRef idx="minor">
-            <a:schemeClr val="tx1"/>
-          </a:fontRef>
-        </p:style>
-      </p:cxnSp>
+              <a:rPr lang="en-US" sz="5400" dirty="0">
+                <a:ln w="0"/>
+                <a:effectLst>
+                  <a:outerShdw blurRad="38100" dist="19050" dir="2700000" algn="tl" rotWithShape="0">
+                    <a:schemeClr val="dk1">
+                      <a:alpha val="40000"/>
+                    </a:schemeClr>
+                  </a:outerShdw>
+                </a:effectLst>
+              </a:rPr>
+              <a:t>Model design, </a:t>
+            </a:r>
+            <a:r>
+              <a:rPr lang="en-US" sz="5400" b="0" cap="none" spc="0" dirty="0">
+                <a:ln w="0"/>
+                <a:solidFill>
+                  <a:schemeClr val="tx1"/>
+                </a:solidFill>
+                <a:effectLst>
+                  <a:outerShdw blurRad="38100" dist="19050" dir="2700000" algn="tl" rotWithShape="0">
+                    <a:schemeClr val="dk1">
+                      <a:alpha val="40000"/>
+                    </a:schemeClr>
+                  </a:outerShdw>
+                </a:effectLst>
+              </a:rPr>
+              <a:t>Version 1</a:t>
+            </a:r>
+          </a:p>
+        </p:txBody>
+      </p:sp>
     </p:spTree>
     <p:extLst>
       <p:ext uri="{BB962C8B-B14F-4D97-AF65-F5344CB8AC3E}">
-        <p14:creationId xmlns:p14="http://schemas.microsoft.com/office/powerpoint/2010/main" val="3643542187"/>
+        <p14:creationId xmlns:p14="http://schemas.microsoft.com/office/powerpoint/2010/main" val="4098161903"/>
       </p:ext>
     </p:extLst>
   </p:cSld>
@@ -4243,27 +3049,43 @@
       </p:grpSpPr>
       <p:sp>
         <p:nvSpPr>
-          <p:cNvPr id="2" name="Title 1"/>
-          <p:cNvSpPr>
-            <a:spLocks noGrp="1"/>
-          </p:cNvSpPr>
-          <p:nvPr>
-            <p:ph type="title"/>
-          </p:nvPr>
-        </p:nvSpPr>
-        <p:spPr>
-          <a:xfrm>
-            <a:off x="838200" y="37913"/>
-            <a:ext cx="10515600" cy="1325563"/>
-          </a:xfrm>
-        </p:spPr>
-        <p:txBody>
-          <a:bodyPr/>
-          <a:lstStyle/>
-          <a:p>
-            <a:r>
-              <a:rPr lang="en-US" dirty="0" smtClean="0"/>
-              <a:t>Problem: (Where to save the Folder content)</a:t>
+          <p:cNvPr id="13" name="Rounded Rectangle 12"/>
+          <p:cNvSpPr/>
+          <p:nvPr/>
+        </p:nvSpPr>
+        <p:spPr>
+          <a:xfrm>
+            <a:off x="5457264" y="208866"/>
+            <a:ext cx="1277472" cy="1046103"/>
+          </a:xfrm>
+          <a:prstGeom prst="roundRect">
+            <a:avLst/>
+          </a:prstGeom>
+        </p:spPr>
+        <p:style>
+          <a:lnRef idx="2">
+            <a:schemeClr val="accent2">
+              <a:shade val="50000"/>
+            </a:schemeClr>
+          </a:lnRef>
+          <a:fillRef idx="1">
+            <a:schemeClr val="accent2"/>
+          </a:fillRef>
+          <a:effectRef idx="0">
+            <a:schemeClr val="accent2"/>
+          </a:effectRef>
+          <a:fontRef idx="minor">
+            <a:schemeClr val="lt1"/>
+          </a:fontRef>
+        </p:style>
+        <p:txBody>
+          <a:bodyPr rtlCol="0" anchor="ctr"/>
+          <a:lstStyle/>
+          <a:p>
+            <a:pPr algn="ctr"/>
+            <a:r>
+              <a:rPr lang="en-US" dirty="0" err="1"/>
+              <a:t>IFolder</a:t>
             </a:r>
             <a:endParaRPr lang="en-US" dirty="0"/>
           </a:p>
@@ -4271,136 +3093,649 @@
       </p:sp>
       <p:sp>
         <p:nvSpPr>
-          <p:cNvPr id="3" name="Content Placeholder 2"/>
-          <p:cNvSpPr>
-            <a:spLocks noGrp="1"/>
-          </p:cNvSpPr>
-          <p:nvPr>
-            <p:ph idx="1"/>
-          </p:nvPr>
-        </p:nvSpPr>
-        <p:spPr>
-          <a:xfrm>
-            <a:off x="838200" y="1081554"/>
-            <a:ext cx="10515600" cy="5511987"/>
-          </a:xfrm>
-        </p:spPr>
-        <p:txBody>
-          <a:bodyPr>
-            <a:normAutofit/>
-          </a:bodyPr>
-          <a:lstStyle/>
-          <a:p>
-            <a:r>
-              <a:rPr lang="en-US" dirty="0"/>
-              <a:t>On first thought it would </a:t>
-            </a:r>
-            <a:r>
-              <a:rPr lang="en-US" dirty="0" smtClean="0"/>
-              <a:t>seem </a:t>
-            </a:r>
-            <a:r>
-              <a:rPr lang="en-US" dirty="0" err="1" smtClean="0"/>
-              <a:t>coorect</a:t>
-            </a:r>
-            <a:r>
-              <a:rPr lang="en-US" dirty="0" smtClean="0"/>
-              <a:t> </a:t>
-            </a:r>
-            <a:r>
-              <a:rPr lang="en-US" dirty="0"/>
-              <a:t>to save the contents of the folder in the object of the </a:t>
-            </a:r>
-            <a:r>
-              <a:rPr lang="en-US" dirty="0" smtClean="0"/>
-              <a:t>folder</a:t>
-            </a:r>
-          </a:p>
-          <a:p>
-            <a:r>
-              <a:rPr lang="en-US" dirty="0" smtClean="0"/>
-              <a:t>The folder object would contain an Array of type </a:t>
-            </a:r>
-            <a:r>
-              <a:rPr lang="en-US" dirty="0" err="1" smtClean="0"/>
+          <p:cNvPr id="24" name="Rounded Rectangle 12">
+            <a:extLst>
+              <a:ext uri="{FF2B5EF4-FFF2-40B4-BE49-F238E27FC236}">
+                <a16:creationId xmlns:a16="http://schemas.microsoft.com/office/drawing/2014/main" id="{91C3BFD5-E377-4C33-AE10-4CA4C4E6ADC6}"/>
+              </a:ext>
+            </a:extLst>
+          </p:cNvPr>
+          <p:cNvSpPr/>
+          <p:nvPr/>
+        </p:nvSpPr>
+        <p:spPr>
+          <a:xfrm>
+            <a:off x="4116281" y="3190765"/>
+            <a:ext cx="1760282" cy="1046103"/>
+          </a:xfrm>
+          <a:prstGeom prst="roundRect">
+            <a:avLst/>
+          </a:prstGeom>
+        </p:spPr>
+        <p:style>
+          <a:lnRef idx="2">
+            <a:schemeClr val="accent2">
+              <a:shade val="50000"/>
+            </a:schemeClr>
+          </a:lnRef>
+          <a:fillRef idx="1">
+            <a:schemeClr val="accent2"/>
+          </a:fillRef>
+          <a:effectRef idx="0">
+            <a:schemeClr val="accent2"/>
+          </a:effectRef>
+          <a:fontRef idx="minor">
+            <a:schemeClr val="lt1"/>
+          </a:fontRef>
+        </p:style>
+        <p:txBody>
+          <a:bodyPr rtlCol="0" anchor="ctr"/>
+          <a:lstStyle/>
+          <a:p>
+            <a:pPr algn="ctr"/>
+            <a:r>
+              <a:rPr lang="en-US" dirty="0" err="1"/>
               <a:t>IFolderContent</a:t>
             </a:r>
-            <a:r>
-              <a:rPr lang="en-US" dirty="0" smtClean="0"/>
-              <a:t> that hold all folder sub-files and sub-folder.</a:t>
-            </a:r>
-          </a:p>
-          <a:p>
-            <a:r>
-              <a:rPr lang="en-US" dirty="0" smtClean="0"/>
-              <a:t>When we save a folder object we first serialized it to string and then save it.</a:t>
-            </a:r>
-          </a:p>
-          <a:p>
-            <a:r>
-              <a:rPr lang="en-US" dirty="0" smtClean="0"/>
-              <a:t>In order to save it I used the </a:t>
-            </a:r>
-            <a:r>
-              <a:rPr lang="en-US" dirty="0" err="1" smtClean="0"/>
-              <a:t>JavaScriptSerializer</a:t>
-            </a:r>
-            <a:r>
-              <a:rPr lang="en-US" dirty="0" smtClean="0"/>
-              <a:t> with the method Serialize</a:t>
-            </a:r>
-          </a:p>
-          <a:p>
-            <a:r>
-              <a:rPr lang="en-US" dirty="0"/>
-              <a:t>The </a:t>
-            </a:r>
+            <a:endParaRPr lang="en-US" dirty="0"/>
+          </a:p>
+        </p:txBody>
+      </p:sp>
+      <p:sp>
+        <p:nvSpPr>
+          <p:cNvPr id="26" name="Rounded Rectangle 12">
+            <a:extLst>
+              <a:ext uri="{FF2B5EF4-FFF2-40B4-BE49-F238E27FC236}">
+                <a16:creationId xmlns:a16="http://schemas.microsoft.com/office/drawing/2014/main" id="{B0C1D9EB-2926-4E2D-9117-FF4741719437}"/>
+              </a:ext>
+            </a:extLst>
+          </p:cNvPr>
+          <p:cNvSpPr/>
+          <p:nvPr/>
+        </p:nvSpPr>
+        <p:spPr>
+          <a:xfrm>
+            <a:off x="6096000" y="5053613"/>
+            <a:ext cx="1277472" cy="1046103"/>
+          </a:xfrm>
+          <a:prstGeom prst="roundRect">
+            <a:avLst/>
+          </a:prstGeom>
+        </p:spPr>
+        <p:style>
+          <a:lnRef idx="2">
+            <a:schemeClr val="accent2">
+              <a:shade val="50000"/>
+            </a:schemeClr>
+          </a:lnRef>
+          <a:fillRef idx="1">
+            <a:schemeClr val="accent2"/>
+          </a:fillRef>
+          <a:effectRef idx="0">
+            <a:schemeClr val="accent2"/>
+          </a:effectRef>
+          <a:fontRef idx="minor">
+            <a:schemeClr val="lt1"/>
+          </a:fontRef>
+        </p:style>
+        <p:txBody>
+          <a:bodyPr rtlCol="0" anchor="ctr"/>
+          <a:lstStyle/>
+          <a:p>
+            <a:pPr algn="ctr"/>
             <a:r>
               <a:rPr lang="en-US" dirty="0" err="1"/>
-              <a:t>JavaScriptSerializer</a:t>
-            </a:r>
-            <a:r>
-              <a:rPr lang="en-US" dirty="0"/>
-              <a:t> parser </a:t>
-            </a:r>
+              <a:t>IFile</a:t>
+            </a:r>
+            <a:endParaRPr lang="en-US" dirty="0"/>
+          </a:p>
+        </p:txBody>
+      </p:sp>
+      <p:sp>
+        <p:nvSpPr>
+          <p:cNvPr id="27" name="Rounded Rectangle 12">
+            <a:extLst>
+              <a:ext uri="{FF2B5EF4-FFF2-40B4-BE49-F238E27FC236}">
+                <a16:creationId xmlns:a16="http://schemas.microsoft.com/office/drawing/2014/main" id="{CCF83A59-2649-4FFA-A534-7331275E2ADB}"/>
+              </a:ext>
+            </a:extLst>
+          </p:cNvPr>
+          <p:cNvSpPr/>
+          <p:nvPr/>
+        </p:nvSpPr>
+        <p:spPr>
+          <a:xfrm>
+            <a:off x="2838809" y="5053613"/>
+            <a:ext cx="1277472" cy="1046103"/>
+          </a:xfrm>
+          <a:prstGeom prst="roundRect">
+            <a:avLst/>
+          </a:prstGeom>
+        </p:spPr>
+        <p:style>
+          <a:lnRef idx="2">
+            <a:schemeClr val="accent2">
+              <a:shade val="50000"/>
+            </a:schemeClr>
+          </a:lnRef>
+          <a:fillRef idx="1">
+            <a:schemeClr val="accent2"/>
+          </a:fillRef>
+          <a:effectRef idx="0">
+            <a:schemeClr val="accent2"/>
+          </a:effectRef>
+          <a:fontRef idx="minor">
+            <a:schemeClr val="lt1"/>
+          </a:fontRef>
+        </p:style>
+        <p:txBody>
+          <a:bodyPr rtlCol="0" anchor="ctr"/>
+          <a:lstStyle/>
+          <a:p>
+            <a:pPr algn="ctr"/>
             <a:r>
               <a:rPr lang="en-US" dirty="0" err="1"/>
-              <a:t>thorws</a:t>
-            </a:r>
-            <a:r>
-              <a:rPr lang="en-US" dirty="0"/>
-              <a:t> exception when parsed object pass the </a:t>
-            </a:r>
+              <a:t>IFolder</a:t>
+            </a:r>
+            <a:endParaRPr lang="en-US" dirty="0"/>
+          </a:p>
+        </p:txBody>
+      </p:sp>
+      <p:sp>
+        <p:nvSpPr>
+          <p:cNvPr id="28" name="Rounded Rectangle 12">
+            <a:extLst>
+              <a:ext uri="{FF2B5EF4-FFF2-40B4-BE49-F238E27FC236}">
+                <a16:creationId xmlns:a16="http://schemas.microsoft.com/office/drawing/2014/main" id="{77CAFB12-0B68-4D8C-A98D-5E9BBF0805C7}"/>
+              </a:ext>
+            </a:extLst>
+          </p:cNvPr>
+          <p:cNvSpPr/>
+          <p:nvPr/>
+        </p:nvSpPr>
+        <p:spPr>
+          <a:xfrm>
+            <a:off x="8269777" y="1575029"/>
+            <a:ext cx="1760282" cy="1046103"/>
+          </a:xfrm>
+          <a:prstGeom prst="roundRect">
+            <a:avLst/>
+          </a:prstGeom>
+        </p:spPr>
+        <p:style>
+          <a:lnRef idx="2">
+            <a:schemeClr val="accent2">
+              <a:shade val="50000"/>
+            </a:schemeClr>
+          </a:lnRef>
+          <a:fillRef idx="1">
+            <a:schemeClr val="accent2"/>
+          </a:fillRef>
+          <a:effectRef idx="0">
+            <a:schemeClr val="accent2"/>
+          </a:effectRef>
+          <a:fontRef idx="minor">
+            <a:schemeClr val="lt1"/>
+          </a:fontRef>
+        </p:style>
+        <p:txBody>
+          <a:bodyPr rtlCol="0" anchor="ctr"/>
+          <a:lstStyle/>
+          <a:p>
+            <a:pPr algn="ctr"/>
             <a:r>
               <a:rPr lang="en-US" dirty="0" err="1"/>
-              <a:t>MaxJsonLength</a:t>
-            </a:r>
-            <a:r>
-              <a:rPr lang="en-US" dirty="0" smtClean="0"/>
-              <a:t>.</a:t>
-            </a:r>
-          </a:p>
-          <a:p>
-            <a:r>
-              <a:rPr lang="en-US" dirty="0" smtClean="0"/>
-              <a:t>I wasn’t able to save the large folder object with all the content </a:t>
-            </a:r>
-          </a:p>
-          <a:p>
+              <a:t>IFolderPage</a:t>
+            </a:r>
             <a:endParaRPr lang="en-US" dirty="0"/>
           </a:p>
-          <a:p>
-            <a:endParaRPr lang="en-US" dirty="0" smtClean="0"/>
-          </a:p>
-          <a:p>
+        </p:txBody>
+      </p:sp>
+      <p:sp>
+        <p:nvSpPr>
+          <p:cNvPr id="29" name="Rounded Rectangle 12">
+            <a:extLst>
+              <a:ext uri="{FF2B5EF4-FFF2-40B4-BE49-F238E27FC236}">
+                <a16:creationId xmlns:a16="http://schemas.microsoft.com/office/drawing/2014/main" id="{9FE8DCFC-8907-4A1A-8113-0356FA561417}"/>
+              </a:ext>
+            </a:extLst>
+          </p:cNvPr>
+          <p:cNvSpPr/>
+          <p:nvPr/>
+        </p:nvSpPr>
+        <p:spPr>
+          <a:xfrm>
+            <a:off x="6183524" y="1575029"/>
+            <a:ext cx="1760282" cy="1046103"/>
+          </a:xfrm>
+          <a:prstGeom prst="roundRect">
+            <a:avLst/>
+          </a:prstGeom>
+        </p:spPr>
+        <p:style>
+          <a:lnRef idx="2">
+            <a:schemeClr val="accent2">
+              <a:shade val="50000"/>
+            </a:schemeClr>
+          </a:lnRef>
+          <a:fillRef idx="1">
+            <a:schemeClr val="accent2"/>
+          </a:fillRef>
+          <a:effectRef idx="0">
+            <a:schemeClr val="accent2"/>
+          </a:effectRef>
+          <a:fontRef idx="minor">
+            <a:schemeClr val="lt1"/>
+          </a:fontRef>
+        </p:style>
+        <p:txBody>
+          <a:bodyPr rtlCol="0" anchor="ctr"/>
+          <a:lstStyle/>
+          <a:p>
+            <a:pPr algn="ctr"/>
+            <a:r>
+              <a:rPr lang="en-US" dirty="0" err="1"/>
+              <a:t>IFolderPage</a:t>
+            </a:r>
             <a:endParaRPr lang="en-US" dirty="0"/>
           </a:p>
         </p:txBody>
       </p:sp>
+      <p:sp>
+        <p:nvSpPr>
+          <p:cNvPr id="30" name="Rounded Rectangle 12">
+            <a:extLst>
+              <a:ext uri="{FF2B5EF4-FFF2-40B4-BE49-F238E27FC236}">
+                <a16:creationId xmlns:a16="http://schemas.microsoft.com/office/drawing/2014/main" id="{5F127954-51DB-4406-A654-E469A2130D0F}"/>
+              </a:ext>
+            </a:extLst>
+          </p:cNvPr>
+          <p:cNvSpPr/>
+          <p:nvPr/>
+        </p:nvSpPr>
+        <p:spPr>
+          <a:xfrm>
+            <a:off x="4097271" y="1575029"/>
+            <a:ext cx="1760282" cy="1046103"/>
+          </a:xfrm>
+          <a:prstGeom prst="roundRect">
+            <a:avLst/>
+          </a:prstGeom>
+        </p:spPr>
+        <p:style>
+          <a:lnRef idx="2">
+            <a:schemeClr val="accent2">
+              <a:shade val="50000"/>
+            </a:schemeClr>
+          </a:lnRef>
+          <a:fillRef idx="1">
+            <a:schemeClr val="accent2"/>
+          </a:fillRef>
+          <a:effectRef idx="0">
+            <a:schemeClr val="accent2"/>
+          </a:effectRef>
+          <a:fontRef idx="minor">
+            <a:schemeClr val="lt1"/>
+          </a:fontRef>
+        </p:style>
+        <p:txBody>
+          <a:bodyPr rtlCol="0" anchor="ctr"/>
+          <a:lstStyle/>
+          <a:p>
+            <a:pPr algn="ctr"/>
+            <a:r>
+              <a:rPr lang="en-US" dirty="0" err="1"/>
+              <a:t>IFolderPage</a:t>
+            </a:r>
+            <a:endParaRPr lang="en-US" dirty="0"/>
+          </a:p>
+        </p:txBody>
+      </p:sp>
+      <p:sp>
+        <p:nvSpPr>
+          <p:cNvPr id="31" name="Rounded Rectangle 12">
+            <a:extLst>
+              <a:ext uri="{FF2B5EF4-FFF2-40B4-BE49-F238E27FC236}">
+                <a16:creationId xmlns:a16="http://schemas.microsoft.com/office/drawing/2014/main" id="{8F37506E-6DE2-4783-8A14-568B98A14B7E}"/>
+              </a:ext>
+            </a:extLst>
+          </p:cNvPr>
+          <p:cNvSpPr/>
+          <p:nvPr/>
+        </p:nvSpPr>
+        <p:spPr>
+          <a:xfrm>
+            <a:off x="1922241" y="1575028"/>
+            <a:ext cx="1760282" cy="1046103"/>
+          </a:xfrm>
+          <a:prstGeom prst="roundRect">
+            <a:avLst/>
+          </a:prstGeom>
+        </p:spPr>
+        <p:style>
+          <a:lnRef idx="2">
+            <a:schemeClr val="accent2">
+              <a:shade val="50000"/>
+            </a:schemeClr>
+          </a:lnRef>
+          <a:fillRef idx="1">
+            <a:schemeClr val="accent2"/>
+          </a:fillRef>
+          <a:effectRef idx="0">
+            <a:schemeClr val="accent2"/>
+          </a:effectRef>
+          <a:fontRef idx="minor">
+            <a:schemeClr val="lt1"/>
+          </a:fontRef>
+        </p:style>
+        <p:txBody>
+          <a:bodyPr rtlCol="0" anchor="ctr"/>
+          <a:lstStyle/>
+          <a:p>
+            <a:pPr algn="ctr"/>
+            <a:r>
+              <a:rPr lang="en-US" dirty="0" err="1"/>
+              <a:t>IFolderPage</a:t>
+            </a:r>
+            <a:endParaRPr lang="en-US" dirty="0"/>
+          </a:p>
+        </p:txBody>
+      </p:sp>
+      <p:cxnSp>
+        <p:nvCxnSpPr>
+          <p:cNvPr id="3" name="Straight Arrow Connector 2">
+            <a:extLst>
+              <a:ext uri="{FF2B5EF4-FFF2-40B4-BE49-F238E27FC236}">
+                <a16:creationId xmlns:a16="http://schemas.microsoft.com/office/drawing/2014/main" id="{B7527C55-0E0B-4626-B66F-3F00A81CDA67}"/>
+              </a:ext>
+            </a:extLst>
+          </p:cNvPr>
+          <p:cNvCxnSpPr>
+            <a:cxnSpLocks/>
+            <a:stCxn id="13" idx="3"/>
+          </p:cNvCxnSpPr>
+          <p:nvPr/>
+        </p:nvCxnSpPr>
+        <p:spPr>
+          <a:xfrm>
+            <a:off x="6734736" y="731918"/>
+            <a:ext cx="1628029" cy="768408"/>
+          </a:xfrm>
+          <a:prstGeom prst="straightConnector1">
+            <a:avLst/>
+          </a:prstGeom>
+          <a:ln>
+            <a:tailEnd type="triangle"/>
+          </a:ln>
+        </p:spPr>
+        <p:style>
+          <a:lnRef idx="1">
+            <a:schemeClr val="accent1"/>
+          </a:lnRef>
+          <a:fillRef idx="0">
+            <a:schemeClr val="accent1"/>
+          </a:fillRef>
+          <a:effectRef idx="0">
+            <a:schemeClr val="accent1"/>
+          </a:effectRef>
+          <a:fontRef idx="minor">
+            <a:schemeClr val="tx1"/>
+          </a:fontRef>
+        </p:style>
+      </p:cxnSp>
+      <p:cxnSp>
+        <p:nvCxnSpPr>
+          <p:cNvPr id="6" name="Straight Arrow Connector 5">
+            <a:extLst>
+              <a:ext uri="{FF2B5EF4-FFF2-40B4-BE49-F238E27FC236}">
+                <a16:creationId xmlns:a16="http://schemas.microsoft.com/office/drawing/2014/main" id="{83DAC404-444D-4A24-80AC-E09F2A368B1E}"/>
+              </a:ext>
+            </a:extLst>
+          </p:cNvPr>
+          <p:cNvCxnSpPr>
+            <a:cxnSpLocks/>
+          </p:cNvCxnSpPr>
+          <p:nvPr/>
+        </p:nvCxnSpPr>
+        <p:spPr>
+          <a:xfrm>
+            <a:off x="6096000" y="1250530"/>
+            <a:ext cx="201227" cy="324498"/>
+          </a:xfrm>
+          <a:prstGeom prst="straightConnector1">
+            <a:avLst/>
+          </a:prstGeom>
+          <a:ln>
+            <a:tailEnd type="triangle"/>
+          </a:ln>
+        </p:spPr>
+        <p:style>
+          <a:lnRef idx="1">
+            <a:schemeClr val="accent1"/>
+          </a:lnRef>
+          <a:fillRef idx="0">
+            <a:schemeClr val="accent1"/>
+          </a:fillRef>
+          <a:effectRef idx="0">
+            <a:schemeClr val="accent1"/>
+          </a:effectRef>
+          <a:fontRef idx="minor">
+            <a:schemeClr val="tx1"/>
+          </a:fontRef>
+        </p:style>
+      </p:cxnSp>
+      <p:cxnSp>
+        <p:nvCxnSpPr>
+          <p:cNvPr id="8" name="Straight Arrow Connector 7">
+            <a:extLst>
+              <a:ext uri="{FF2B5EF4-FFF2-40B4-BE49-F238E27FC236}">
+                <a16:creationId xmlns:a16="http://schemas.microsoft.com/office/drawing/2014/main" id="{095F5405-B9AB-4C3D-B21D-924C921FA207}"/>
+              </a:ext>
+            </a:extLst>
+          </p:cNvPr>
+          <p:cNvCxnSpPr>
+            <a:cxnSpLocks/>
+            <a:stCxn id="13" idx="2"/>
+          </p:cNvCxnSpPr>
+          <p:nvPr/>
+        </p:nvCxnSpPr>
+        <p:spPr>
+          <a:xfrm flipH="1">
+            <a:off x="5844465" y="1254969"/>
+            <a:ext cx="251535" cy="320059"/>
+          </a:xfrm>
+          <a:prstGeom prst="straightConnector1">
+            <a:avLst/>
+          </a:prstGeom>
+          <a:ln>
+            <a:tailEnd type="triangle"/>
+          </a:ln>
+        </p:spPr>
+        <p:style>
+          <a:lnRef idx="1">
+            <a:schemeClr val="accent1"/>
+          </a:lnRef>
+          <a:fillRef idx="0">
+            <a:schemeClr val="accent1"/>
+          </a:fillRef>
+          <a:effectRef idx="0">
+            <a:schemeClr val="accent1"/>
+          </a:effectRef>
+          <a:fontRef idx="minor">
+            <a:schemeClr val="tx1"/>
+          </a:fontRef>
+        </p:style>
+      </p:cxnSp>
+      <p:cxnSp>
+        <p:nvCxnSpPr>
+          <p:cNvPr id="40" name="Straight Arrow Connector 39">
+            <a:extLst>
+              <a:ext uri="{FF2B5EF4-FFF2-40B4-BE49-F238E27FC236}">
+                <a16:creationId xmlns:a16="http://schemas.microsoft.com/office/drawing/2014/main" id="{A9DDBCAE-A441-4C2F-B2C6-6385249452DA}"/>
+              </a:ext>
+            </a:extLst>
+          </p:cNvPr>
+          <p:cNvCxnSpPr>
+            <a:cxnSpLocks/>
+            <a:stCxn id="13" idx="1"/>
+          </p:cNvCxnSpPr>
+          <p:nvPr/>
+        </p:nvCxnSpPr>
+        <p:spPr>
+          <a:xfrm flipH="1">
+            <a:off x="3726286" y="731918"/>
+            <a:ext cx="1730978" cy="846060"/>
+          </a:xfrm>
+          <a:prstGeom prst="straightConnector1">
+            <a:avLst/>
+          </a:prstGeom>
+          <a:ln>
+            <a:tailEnd type="triangle"/>
+          </a:ln>
+        </p:spPr>
+        <p:style>
+          <a:lnRef idx="1">
+            <a:schemeClr val="accent1"/>
+          </a:lnRef>
+          <a:fillRef idx="0">
+            <a:schemeClr val="accent1"/>
+          </a:fillRef>
+          <a:effectRef idx="0">
+            <a:schemeClr val="accent1"/>
+          </a:effectRef>
+          <a:fontRef idx="minor">
+            <a:schemeClr val="tx1"/>
+          </a:fontRef>
+        </p:style>
+      </p:cxnSp>
+      <p:cxnSp>
+        <p:nvCxnSpPr>
+          <p:cNvPr id="22" name="Straight Arrow Connector 21">
+            <a:extLst>
+              <a:ext uri="{FF2B5EF4-FFF2-40B4-BE49-F238E27FC236}">
+                <a16:creationId xmlns:a16="http://schemas.microsoft.com/office/drawing/2014/main" id="{F354ACF5-3090-4190-9251-DB26187B0AA6}"/>
+              </a:ext>
+            </a:extLst>
+          </p:cNvPr>
+          <p:cNvCxnSpPr>
+            <a:stCxn id="30" idx="2"/>
+          </p:cNvCxnSpPr>
+          <p:nvPr/>
+        </p:nvCxnSpPr>
+        <p:spPr>
+          <a:xfrm>
+            <a:off x="4977412" y="2621132"/>
+            <a:ext cx="0" cy="494930"/>
+          </a:xfrm>
+          <a:prstGeom prst="straightConnector1">
+            <a:avLst/>
+          </a:prstGeom>
+          <a:ln>
+            <a:tailEnd type="triangle"/>
+          </a:ln>
+        </p:spPr>
+        <p:style>
+          <a:lnRef idx="1">
+            <a:schemeClr val="accent1"/>
+          </a:lnRef>
+          <a:fillRef idx="0">
+            <a:schemeClr val="accent1"/>
+          </a:fillRef>
+          <a:effectRef idx="0">
+            <a:schemeClr val="accent1"/>
+          </a:effectRef>
+          <a:fontRef idx="minor">
+            <a:schemeClr val="tx1"/>
+          </a:fontRef>
+        </p:style>
+      </p:cxnSp>
+      <p:cxnSp>
+        <p:nvCxnSpPr>
+          <p:cNvPr id="45" name="Straight Arrow Connector 44">
+            <a:extLst>
+              <a:ext uri="{FF2B5EF4-FFF2-40B4-BE49-F238E27FC236}">
+                <a16:creationId xmlns:a16="http://schemas.microsoft.com/office/drawing/2014/main" id="{F2E852A1-103E-4BE9-B4BB-5703060F7AA2}"/>
+              </a:ext>
+            </a:extLst>
+          </p:cNvPr>
+          <p:cNvCxnSpPr>
+            <a:cxnSpLocks/>
+          </p:cNvCxnSpPr>
+          <p:nvPr/>
+        </p:nvCxnSpPr>
+        <p:spPr>
+          <a:xfrm>
+            <a:off x="5018389" y="4236868"/>
+            <a:ext cx="1077611" cy="816745"/>
+          </a:xfrm>
+          <a:prstGeom prst="straightConnector1">
+            <a:avLst/>
+          </a:prstGeom>
+          <a:ln>
+            <a:tailEnd type="triangle"/>
+          </a:ln>
+        </p:spPr>
+        <p:style>
+          <a:lnRef idx="1">
+            <a:schemeClr val="accent1"/>
+          </a:lnRef>
+          <a:fillRef idx="0">
+            <a:schemeClr val="accent1"/>
+          </a:fillRef>
+          <a:effectRef idx="0">
+            <a:schemeClr val="accent1"/>
+          </a:effectRef>
+          <a:fontRef idx="minor">
+            <a:schemeClr val="tx1"/>
+          </a:fontRef>
+        </p:style>
+      </p:cxnSp>
+      <p:cxnSp>
+        <p:nvCxnSpPr>
+          <p:cNvPr id="47" name="Straight Arrow Connector 46">
+            <a:extLst>
+              <a:ext uri="{FF2B5EF4-FFF2-40B4-BE49-F238E27FC236}">
+                <a16:creationId xmlns:a16="http://schemas.microsoft.com/office/drawing/2014/main" id="{BE4E440D-B539-4998-9ADD-85B8A650202E}"/>
+              </a:ext>
+            </a:extLst>
+          </p:cNvPr>
+          <p:cNvCxnSpPr>
+            <a:cxnSpLocks/>
+            <a:stCxn id="24" idx="2"/>
+          </p:cNvCxnSpPr>
+          <p:nvPr/>
+        </p:nvCxnSpPr>
+        <p:spPr>
+          <a:xfrm flipH="1">
+            <a:off x="4116281" y="4236868"/>
+            <a:ext cx="880141" cy="816745"/>
+          </a:xfrm>
+          <a:prstGeom prst="straightConnector1">
+            <a:avLst/>
+          </a:prstGeom>
+          <a:ln>
+            <a:tailEnd type="triangle"/>
+          </a:ln>
+        </p:spPr>
+        <p:style>
+          <a:lnRef idx="1">
+            <a:schemeClr val="accent1"/>
+          </a:lnRef>
+          <a:fillRef idx="0">
+            <a:schemeClr val="accent1"/>
+          </a:fillRef>
+          <a:effectRef idx="0">
+            <a:schemeClr val="accent1"/>
+          </a:effectRef>
+          <a:fontRef idx="minor">
+            <a:schemeClr val="tx1"/>
+          </a:fontRef>
+        </p:style>
+      </p:cxnSp>
     </p:spTree>
     <p:extLst>
       <p:ext uri="{BB962C8B-B14F-4D97-AF65-F5344CB8AC3E}">
-        <p14:creationId xmlns:p14="http://schemas.microsoft.com/office/powerpoint/2010/main" val="535155255"/>
+        <p14:creationId xmlns:p14="http://schemas.microsoft.com/office/powerpoint/2010/main" val="2527638300"/>
       </p:ext>
     </p:extLst>
   </p:cSld>
@@ -4429,143 +3764,69 @@
       </p:grpSpPr>
       <p:sp>
         <p:nvSpPr>
-          <p:cNvPr id="2" name="Title 1"/>
-          <p:cNvSpPr>
-            <a:spLocks noGrp="1"/>
-          </p:cNvSpPr>
-          <p:nvPr>
-            <p:ph type="title"/>
-          </p:nvPr>
-        </p:nvSpPr>
-        <p:spPr/>
-        <p:txBody>
-          <a:bodyPr/>
-          <a:lstStyle/>
-          <a:p>
-            <a:r>
-              <a:rPr lang="en-US" dirty="0" smtClean="0"/>
-              <a:t>Solution: </a:t>
-            </a:r>
-            <a:r>
-              <a:rPr lang="en-US" dirty="0"/>
-              <a:t>(Where to save the Folder content)</a:t>
-            </a:r>
-          </a:p>
-        </p:txBody>
-      </p:sp>
-      <p:sp>
-        <p:nvSpPr>
-          <p:cNvPr id="3" name="Content Placeholder 2"/>
-          <p:cNvSpPr>
-            <a:spLocks noGrp="1"/>
-          </p:cNvSpPr>
-          <p:nvPr>
-            <p:ph idx="1"/>
-          </p:nvPr>
-        </p:nvSpPr>
-        <p:spPr/>
-        <p:txBody>
-          <a:bodyPr/>
-          <a:lstStyle/>
-          <a:p>
-            <a:r>
-              <a:rPr lang="en-US" dirty="0" smtClean="0"/>
-              <a:t>Each folder will hold the content in </a:t>
-            </a:r>
-            <a:r>
-              <a:rPr lang="en-US" dirty="0" err="1" smtClean="0"/>
-              <a:t>IFolderPage</a:t>
-            </a:r>
-            <a:r>
-              <a:rPr lang="en-US" dirty="0" smtClean="0"/>
-              <a:t> object on an Array of </a:t>
-            </a:r>
-            <a:r>
-              <a:rPr lang="en-US" dirty="0" err="1" smtClean="0"/>
-              <a:t>IFolderContent</a:t>
-            </a:r>
-            <a:r>
-              <a:rPr lang="en-US" dirty="0" smtClean="0"/>
-              <a:t>.</a:t>
-            </a:r>
-          </a:p>
-          <a:p>
-            <a:r>
-              <a:rPr lang="en-US" dirty="0" smtClean="0"/>
-              <a:t>Since we cant save too big object each folder will hold several </a:t>
-            </a:r>
-            <a:r>
-              <a:rPr lang="en-US" dirty="0" err="1" smtClean="0"/>
-              <a:t>IFolderPage</a:t>
-            </a:r>
-            <a:r>
-              <a:rPr lang="en-US" dirty="0" smtClean="0"/>
-              <a:t> objects that will contain constant number of elements.</a:t>
-            </a:r>
-          </a:p>
-          <a:p>
-            <a:r>
-              <a:rPr lang="en-US" dirty="0" smtClean="0"/>
-              <a:t>The combination of all the </a:t>
-            </a:r>
-            <a:r>
-              <a:rPr lang="en-US" dirty="0" err="1"/>
-              <a:t>IFolderPage</a:t>
-            </a:r>
-            <a:r>
-              <a:rPr lang="en-US" dirty="0"/>
-              <a:t> </a:t>
-            </a:r>
-            <a:r>
-              <a:rPr lang="en-US" dirty="0" smtClean="0"/>
-              <a:t>Arrays will give us all the content of the folder</a:t>
-            </a:r>
-          </a:p>
-          <a:p>
-            <a:r>
-              <a:rPr lang="en-US" dirty="0" smtClean="0"/>
-              <a:t>I called this </a:t>
-            </a:r>
-            <a:r>
-              <a:rPr lang="en-US" dirty="0" err="1" smtClean="0"/>
-              <a:t>IFolderPages</a:t>
-            </a:r>
-            <a:r>
-              <a:rPr lang="en-US" dirty="0" smtClean="0"/>
-              <a:t> Physical page </a:t>
-            </a:r>
-            <a:r>
-              <a:rPr lang="en-US" dirty="0"/>
-              <a:t>in order to </a:t>
-            </a:r>
-            <a:r>
-              <a:rPr lang="en-US" dirty="0" smtClean="0"/>
-              <a:t>distinguish them from the logical page. The </a:t>
-            </a:r>
-            <a:r>
-              <a:rPr lang="en-US" dirty="0"/>
-              <a:t>logical page is number of all elements divided by the number of </a:t>
-            </a:r>
-            <a:r>
-              <a:rPr lang="en-US" dirty="0" smtClean="0"/>
-              <a:t>elements the user decided </a:t>
-            </a:r>
-            <a:r>
-              <a:rPr lang="en-US" dirty="0"/>
-              <a:t>to show on page</a:t>
-            </a:r>
-            <a:r>
-              <a:rPr lang="en-US" dirty="0" smtClean="0"/>
-              <a:t> </a:t>
-            </a:r>
-            <a:endParaRPr lang="en-US" dirty="0"/>
+          <p:cNvPr id="2" name="Rectangle 1">
+            <a:extLst>
+              <a:ext uri="{FF2B5EF4-FFF2-40B4-BE49-F238E27FC236}">
+                <a16:creationId xmlns:a16="http://schemas.microsoft.com/office/drawing/2014/main" id="{B87E8C97-122B-4DC3-B9DC-C229D66BCA3A}"/>
+              </a:ext>
+            </a:extLst>
+          </p:cNvPr>
+          <p:cNvSpPr/>
+          <p:nvPr/>
+        </p:nvSpPr>
+        <p:spPr>
+          <a:xfrm>
+            <a:off x="2544933" y="2967335"/>
+            <a:ext cx="7102137" cy="923330"/>
+          </a:xfrm>
+          <a:prstGeom prst="rect">
+            <a:avLst/>
+          </a:prstGeom>
+          <a:noFill/>
+        </p:spPr>
+        <p:txBody>
+          <a:bodyPr wrap="none" lIns="91440" tIns="45720" rIns="91440" bIns="45720">
+            <a:spAutoFit/>
+          </a:bodyPr>
+          <a:lstStyle/>
+          <a:p>
+            <a:pPr algn="ctr"/>
+            <a:r>
+              <a:rPr lang="en-US" sz="5400" dirty="0">
+                <a:ln w="0"/>
+                <a:effectLst>
+                  <a:outerShdw blurRad="38100" dist="19050" dir="2700000" algn="tl" rotWithShape="0">
+                    <a:schemeClr val="dk1">
+                      <a:alpha val="40000"/>
+                    </a:schemeClr>
+                  </a:outerShdw>
+                </a:effectLst>
+              </a:rPr>
+              <a:t>System design, </a:t>
+            </a:r>
+            <a:r>
+              <a:rPr lang="en-US" sz="5400" b="0" cap="none" spc="0" dirty="0">
+                <a:ln w="0"/>
+                <a:solidFill>
+                  <a:schemeClr val="tx1"/>
+                </a:solidFill>
+                <a:effectLst>
+                  <a:outerShdw blurRad="38100" dist="19050" dir="2700000" algn="tl" rotWithShape="0">
+                    <a:schemeClr val="dk1">
+                      <a:alpha val="40000"/>
+                    </a:schemeClr>
+                  </a:outerShdw>
+                </a:effectLst>
+              </a:rPr>
+              <a:t>Version 1</a:t>
+            </a:r>
           </a:p>
         </p:txBody>
       </p:sp>
     </p:spTree>
     <p:extLst>
       <p:ext uri="{BB962C8B-B14F-4D97-AF65-F5344CB8AC3E}">
-        <p14:creationId xmlns:p14="http://schemas.microsoft.com/office/powerpoint/2010/main" val="3370509753"/>
+        <p14:creationId xmlns:p14="http://schemas.microsoft.com/office/powerpoint/2010/main" val="874090022"/>
       </p:ext>
     </p:extLst>
   </p:cSld>
@@ -4594,14 +3855,57 @@
       </p:grpSpPr>
       <p:sp>
         <p:nvSpPr>
-          <p:cNvPr id="18" name="Rectangle 17"/>
+          <p:cNvPr id="5" name="Rounded Rectangle 4"/>
           <p:cNvSpPr/>
           <p:nvPr/>
         </p:nvSpPr>
         <p:spPr>
           <a:xfrm>
-            <a:off x="188259" y="5342963"/>
-            <a:ext cx="3222812" cy="1295401"/>
+            <a:off x="2897345" y="322728"/>
+            <a:ext cx="1443320" cy="1380566"/>
+          </a:xfrm>
+          <a:prstGeom prst="roundRect">
+            <a:avLst/>
+          </a:prstGeom>
+        </p:spPr>
+        <p:style>
+          <a:lnRef idx="2">
+            <a:schemeClr val="accent2">
+              <a:shade val="50000"/>
+            </a:schemeClr>
+          </a:lnRef>
+          <a:fillRef idx="1">
+            <a:schemeClr val="accent2"/>
+          </a:fillRef>
+          <a:effectRef idx="0">
+            <a:schemeClr val="accent2"/>
+          </a:effectRef>
+          <a:fontRef idx="minor">
+            <a:schemeClr val="lt1"/>
+          </a:fontRef>
+        </p:style>
+        <p:txBody>
+          <a:bodyPr rtlCol="0" anchor="ctr"/>
+          <a:lstStyle/>
+          <a:p>
+            <a:pPr algn="ctr"/>
+            <a:r>
+              <a:rPr lang="en-US" dirty="0"/>
+              <a:t>Folder content page repository</a:t>
+            </a:r>
+          </a:p>
+        </p:txBody>
+      </p:sp>
+      <p:sp>
+        <p:nvSpPr>
+          <p:cNvPr id="12" name="Rectangle 11"/>
+          <p:cNvSpPr/>
+          <p:nvPr/>
+        </p:nvSpPr>
+        <p:spPr>
+          <a:xfrm>
+            <a:off x="89646" y="0"/>
+            <a:ext cx="1102659" cy="6858000"/>
           </a:xfrm>
           <a:prstGeom prst="rect">
             <a:avLst/>
@@ -4628,6 +3932,2534 @@
           <a:lstStyle/>
           <a:p>
             <a:pPr algn="ctr"/>
+            <a:r>
+              <a:rPr lang="en-US" dirty="0"/>
+              <a:t>Database </a:t>
+            </a:r>
+          </a:p>
+          <a:p>
+            <a:pPr algn="ctr"/>
+            <a:r>
+              <a:rPr lang="en-US" dirty="0"/>
+              <a:t>File system</a:t>
+            </a:r>
+          </a:p>
+          <a:p>
+            <a:pPr algn="ctr"/>
+            <a:r>
+              <a:rPr lang="en-US" dirty="0"/>
+              <a:t>Other</a:t>
+            </a:r>
+          </a:p>
+        </p:txBody>
+      </p:sp>
+      <p:sp>
+        <p:nvSpPr>
+          <p:cNvPr id="13" name="Rounded Rectangle 12"/>
+          <p:cNvSpPr/>
+          <p:nvPr/>
+        </p:nvSpPr>
+        <p:spPr>
+          <a:xfrm>
+            <a:off x="2887754" y="2599763"/>
+            <a:ext cx="1443320" cy="1380566"/>
+          </a:xfrm>
+          <a:prstGeom prst="roundRect">
+            <a:avLst/>
+          </a:prstGeom>
+        </p:spPr>
+        <p:style>
+          <a:lnRef idx="2">
+            <a:schemeClr val="accent2">
+              <a:shade val="50000"/>
+            </a:schemeClr>
+          </a:lnRef>
+          <a:fillRef idx="1">
+            <a:schemeClr val="accent2"/>
+          </a:fillRef>
+          <a:effectRef idx="0">
+            <a:schemeClr val="accent2"/>
+          </a:effectRef>
+          <a:fontRef idx="minor">
+            <a:schemeClr val="lt1"/>
+          </a:fontRef>
+        </p:style>
+        <p:txBody>
+          <a:bodyPr rtlCol="0" anchor="ctr"/>
+          <a:lstStyle/>
+          <a:p>
+            <a:pPr algn="ctr"/>
+            <a:r>
+              <a:rPr lang="en-US" dirty="0"/>
+              <a:t>Folder content folder repository</a:t>
+            </a:r>
+          </a:p>
+        </p:txBody>
+      </p:sp>
+      <p:sp>
+        <p:nvSpPr>
+          <p:cNvPr id="14" name="Rounded Rectangle 13"/>
+          <p:cNvSpPr/>
+          <p:nvPr/>
+        </p:nvSpPr>
+        <p:spPr>
+          <a:xfrm>
+            <a:off x="2913528" y="5200811"/>
+            <a:ext cx="1443320" cy="1380566"/>
+          </a:xfrm>
+          <a:prstGeom prst="roundRect">
+            <a:avLst/>
+          </a:prstGeom>
+        </p:spPr>
+        <p:style>
+          <a:lnRef idx="2">
+            <a:schemeClr val="accent2">
+              <a:shade val="50000"/>
+            </a:schemeClr>
+          </a:lnRef>
+          <a:fillRef idx="1">
+            <a:schemeClr val="accent2"/>
+          </a:fillRef>
+          <a:effectRef idx="0">
+            <a:schemeClr val="accent2"/>
+          </a:effectRef>
+          <a:fontRef idx="minor">
+            <a:schemeClr val="lt1"/>
+          </a:fontRef>
+        </p:style>
+        <p:txBody>
+          <a:bodyPr rtlCol="0" anchor="ctr"/>
+          <a:lstStyle/>
+          <a:p>
+            <a:pPr algn="ctr"/>
+            <a:r>
+              <a:rPr lang="en-US" dirty="0"/>
+              <a:t>Folder content file repository</a:t>
+            </a:r>
+          </a:p>
+        </p:txBody>
+      </p:sp>
+      <p:sp>
+        <p:nvSpPr>
+          <p:cNvPr id="15" name="Rounded Rectangle 14"/>
+          <p:cNvSpPr/>
+          <p:nvPr/>
+        </p:nvSpPr>
+        <p:spPr>
+          <a:xfrm>
+            <a:off x="5959284" y="313765"/>
+            <a:ext cx="1443320" cy="1380566"/>
+          </a:xfrm>
+          <a:prstGeom prst="roundRect">
+            <a:avLst/>
+          </a:prstGeom>
+          <a:solidFill>
+            <a:schemeClr val="accent6">
+              <a:lumMod val="75000"/>
+            </a:schemeClr>
+          </a:solidFill>
+        </p:spPr>
+        <p:style>
+          <a:lnRef idx="2">
+            <a:schemeClr val="accent2">
+              <a:shade val="50000"/>
+            </a:schemeClr>
+          </a:lnRef>
+          <a:fillRef idx="1">
+            <a:schemeClr val="accent2"/>
+          </a:fillRef>
+          <a:effectRef idx="0">
+            <a:schemeClr val="accent2"/>
+          </a:effectRef>
+          <a:fontRef idx="minor">
+            <a:schemeClr val="lt1"/>
+          </a:fontRef>
+        </p:style>
+        <p:txBody>
+          <a:bodyPr rtlCol="0" anchor="ctr"/>
+          <a:lstStyle/>
+          <a:p>
+            <a:pPr algn="ctr"/>
+            <a:r>
+              <a:rPr lang="en-US" dirty="0"/>
+              <a:t>Folder content page service</a:t>
+            </a:r>
+          </a:p>
+        </p:txBody>
+      </p:sp>
+      <p:sp>
+        <p:nvSpPr>
+          <p:cNvPr id="16" name="Rounded Rectangle 15"/>
+          <p:cNvSpPr/>
+          <p:nvPr/>
+        </p:nvSpPr>
+        <p:spPr>
+          <a:xfrm>
+            <a:off x="5959284" y="2613212"/>
+            <a:ext cx="1443320" cy="1380566"/>
+          </a:xfrm>
+          <a:prstGeom prst="roundRect">
+            <a:avLst/>
+          </a:prstGeom>
+          <a:solidFill>
+            <a:schemeClr val="accent6">
+              <a:lumMod val="75000"/>
+            </a:schemeClr>
+          </a:solidFill>
+        </p:spPr>
+        <p:style>
+          <a:lnRef idx="2">
+            <a:schemeClr val="accent2">
+              <a:shade val="50000"/>
+            </a:schemeClr>
+          </a:lnRef>
+          <a:fillRef idx="1">
+            <a:schemeClr val="accent2"/>
+          </a:fillRef>
+          <a:effectRef idx="0">
+            <a:schemeClr val="accent2"/>
+          </a:effectRef>
+          <a:fontRef idx="minor">
+            <a:schemeClr val="lt1"/>
+          </a:fontRef>
+        </p:style>
+        <p:txBody>
+          <a:bodyPr rtlCol="0" anchor="ctr"/>
+          <a:lstStyle/>
+          <a:p>
+            <a:pPr algn="ctr"/>
+            <a:r>
+              <a:rPr lang="en-US" dirty="0"/>
+              <a:t>Folder content folder service</a:t>
+            </a:r>
+          </a:p>
+        </p:txBody>
+      </p:sp>
+      <p:sp>
+        <p:nvSpPr>
+          <p:cNvPr id="17" name="Rounded Rectangle 16"/>
+          <p:cNvSpPr/>
+          <p:nvPr/>
+        </p:nvSpPr>
+        <p:spPr>
+          <a:xfrm>
+            <a:off x="5959284" y="5195047"/>
+            <a:ext cx="1443320" cy="1380566"/>
+          </a:xfrm>
+          <a:prstGeom prst="roundRect">
+            <a:avLst/>
+          </a:prstGeom>
+          <a:solidFill>
+            <a:schemeClr val="accent6">
+              <a:lumMod val="75000"/>
+            </a:schemeClr>
+          </a:solidFill>
+        </p:spPr>
+        <p:style>
+          <a:lnRef idx="2">
+            <a:schemeClr val="accent2">
+              <a:shade val="50000"/>
+            </a:schemeClr>
+          </a:lnRef>
+          <a:fillRef idx="1">
+            <a:schemeClr val="accent2"/>
+          </a:fillRef>
+          <a:effectRef idx="0">
+            <a:schemeClr val="accent2"/>
+          </a:effectRef>
+          <a:fontRef idx="minor">
+            <a:schemeClr val="lt1"/>
+          </a:fontRef>
+        </p:style>
+        <p:txBody>
+          <a:bodyPr rtlCol="0" anchor="ctr"/>
+          <a:lstStyle/>
+          <a:p>
+            <a:pPr algn="ctr"/>
+            <a:r>
+              <a:rPr lang="en-US" dirty="0"/>
+              <a:t>Folder content file service</a:t>
+            </a:r>
+          </a:p>
+        </p:txBody>
+      </p:sp>
+      <p:sp>
+        <p:nvSpPr>
+          <p:cNvPr id="19" name="Rounded Rectangle 18"/>
+          <p:cNvSpPr/>
+          <p:nvPr/>
+        </p:nvSpPr>
+        <p:spPr>
+          <a:xfrm>
+            <a:off x="8969187" y="2581836"/>
+            <a:ext cx="1443320" cy="1380566"/>
+          </a:xfrm>
+          <a:prstGeom prst="roundRect">
+            <a:avLst/>
+          </a:prstGeom>
+          <a:solidFill>
+            <a:schemeClr val="tx2">
+              <a:lumMod val="75000"/>
+            </a:schemeClr>
+          </a:solidFill>
+        </p:spPr>
+        <p:style>
+          <a:lnRef idx="2">
+            <a:schemeClr val="accent2">
+              <a:shade val="50000"/>
+            </a:schemeClr>
+          </a:lnRef>
+          <a:fillRef idx="1">
+            <a:schemeClr val="accent2"/>
+          </a:fillRef>
+          <a:effectRef idx="0">
+            <a:schemeClr val="accent2"/>
+          </a:effectRef>
+          <a:fontRef idx="minor">
+            <a:schemeClr val="lt1"/>
+          </a:fontRef>
+        </p:style>
+        <p:txBody>
+          <a:bodyPr rtlCol="0" anchor="ctr"/>
+          <a:lstStyle/>
+          <a:p>
+            <a:pPr algn="ctr"/>
+            <a:r>
+              <a:rPr lang="en-US" dirty="0"/>
+              <a:t>Folder content service</a:t>
+            </a:r>
+          </a:p>
+        </p:txBody>
+      </p:sp>
+      <p:sp>
+        <p:nvSpPr>
+          <p:cNvPr id="20" name="Rectangle 19"/>
+          <p:cNvSpPr/>
+          <p:nvPr/>
+        </p:nvSpPr>
+        <p:spPr>
+          <a:xfrm>
+            <a:off x="10766611" y="0"/>
+            <a:ext cx="1277471" cy="6858000"/>
+          </a:xfrm>
+          <a:prstGeom prst="rect">
+            <a:avLst/>
+          </a:prstGeom>
+          <a:solidFill>
+            <a:schemeClr val="accent4">
+              <a:lumMod val="75000"/>
+            </a:schemeClr>
+          </a:solidFill>
+        </p:spPr>
+        <p:style>
+          <a:lnRef idx="2">
+            <a:schemeClr val="accent1">
+              <a:shade val="50000"/>
+            </a:schemeClr>
+          </a:lnRef>
+          <a:fillRef idx="1">
+            <a:schemeClr val="accent1"/>
+          </a:fillRef>
+          <a:effectRef idx="0">
+            <a:schemeClr val="accent1"/>
+          </a:effectRef>
+          <a:fontRef idx="minor">
+            <a:schemeClr val="lt1"/>
+          </a:fontRef>
+        </p:style>
+        <p:txBody>
+          <a:bodyPr rtlCol="0" anchor="ctr"/>
+          <a:lstStyle/>
+          <a:p>
+            <a:pPr algn="ctr"/>
+            <a:r>
+              <a:rPr lang="en-US" dirty="0"/>
+              <a:t>Endpoint</a:t>
+            </a:r>
+          </a:p>
+        </p:txBody>
+      </p:sp>
+      <p:cxnSp>
+        <p:nvCxnSpPr>
+          <p:cNvPr id="22" name="Straight Arrow Connector 21"/>
+          <p:cNvCxnSpPr>
+            <a:stCxn id="19" idx="1"/>
+          </p:cNvCxnSpPr>
+          <p:nvPr/>
+        </p:nvCxnSpPr>
+        <p:spPr>
+          <a:xfrm flipH="1" flipV="1">
+            <a:off x="7530353" y="1304365"/>
+            <a:ext cx="1438834" cy="1967754"/>
+          </a:xfrm>
+          <a:prstGeom prst="straightConnector1">
+            <a:avLst/>
+          </a:prstGeom>
+          <a:ln>
+            <a:tailEnd type="triangle"/>
+          </a:ln>
+        </p:spPr>
+        <p:style>
+          <a:lnRef idx="1">
+            <a:schemeClr val="accent1"/>
+          </a:lnRef>
+          <a:fillRef idx="0">
+            <a:schemeClr val="accent1"/>
+          </a:fillRef>
+          <a:effectRef idx="0">
+            <a:schemeClr val="accent1"/>
+          </a:effectRef>
+          <a:fontRef idx="minor">
+            <a:schemeClr val="tx1"/>
+          </a:fontRef>
+        </p:style>
+      </p:cxnSp>
+      <p:cxnSp>
+        <p:nvCxnSpPr>
+          <p:cNvPr id="24" name="Straight Arrow Connector 23"/>
+          <p:cNvCxnSpPr>
+            <a:stCxn id="19" idx="1"/>
+          </p:cNvCxnSpPr>
+          <p:nvPr/>
+        </p:nvCxnSpPr>
+        <p:spPr>
+          <a:xfrm flipH="1" flipV="1">
+            <a:off x="7466479" y="3225055"/>
+            <a:ext cx="1502708" cy="47064"/>
+          </a:xfrm>
+          <a:prstGeom prst="straightConnector1">
+            <a:avLst/>
+          </a:prstGeom>
+          <a:ln>
+            <a:tailEnd type="triangle"/>
+          </a:ln>
+        </p:spPr>
+        <p:style>
+          <a:lnRef idx="1">
+            <a:schemeClr val="accent1"/>
+          </a:lnRef>
+          <a:fillRef idx="0">
+            <a:schemeClr val="accent1"/>
+          </a:fillRef>
+          <a:effectRef idx="0">
+            <a:schemeClr val="accent1"/>
+          </a:effectRef>
+          <a:fontRef idx="minor">
+            <a:schemeClr val="tx1"/>
+          </a:fontRef>
+        </p:style>
+      </p:cxnSp>
+      <p:cxnSp>
+        <p:nvCxnSpPr>
+          <p:cNvPr id="26" name="Straight Arrow Connector 25"/>
+          <p:cNvCxnSpPr>
+            <a:stCxn id="19" idx="1"/>
+          </p:cNvCxnSpPr>
+          <p:nvPr/>
+        </p:nvCxnSpPr>
+        <p:spPr>
+          <a:xfrm flipH="1">
+            <a:off x="7481049" y="3272119"/>
+            <a:ext cx="1488138" cy="2003610"/>
+          </a:xfrm>
+          <a:prstGeom prst="straightConnector1">
+            <a:avLst/>
+          </a:prstGeom>
+          <a:ln>
+            <a:tailEnd type="triangle"/>
+          </a:ln>
+        </p:spPr>
+        <p:style>
+          <a:lnRef idx="1">
+            <a:schemeClr val="accent1"/>
+          </a:lnRef>
+          <a:fillRef idx="0">
+            <a:schemeClr val="accent1"/>
+          </a:fillRef>
+          <a:effectRef idx="0">
+            <a:schemeClr val="accent1"/>
+          </a:effectRef>
+          <a:fontRef idx="minor">
+            <a:schemeClr val="tx1"/>
+          </a:fontRef>
+        </p:style>
+      </p:cxnSp>
+      <p:cxnSp>
+        <p:nvCxnSpPr>
+          <p:cNvPr id="28" name="Straight Arrow Connector 27"/>
+          <p:cNvCxnSpPr>
+            <a:stCxn id="15" idx="1"/>
+          </p:cNvCxnSpPr>
+          <p:nvPr/>
+        </p:nvCxnSpPr>
+        <p:spPr>
+          <a:xfrm flipH="1" flipV="1">
+            <a:off x="4335560" y="972670"/>
+            <a:ext cx="1623724" cy="31378"/>
+          </a:xfrm>
+          <a:prstGeom prst="straightConnector1">
+            <a:avLst/>
+          </a:prstGeom>
+          <a:ln>
+            <a:tailEnd type="triangle"/>
+          </a:ln>
+        </p:spPr>
+        <p:style>
+          <a:lnRef idx="1">
+            <a:schemeClr val="accent1"/>
+          </a:lnRef>
+          <a:fillRef idx="0">
+            <a:schemeClr val="accent1"/>
+          </a:fillRef>
+          <a:effectRef idx="0">
+            <a:schemeClr val="accent1"/>
+          </a:effectRef>
+          <a:fontRef idx="minor">
+            <a:schemeClr val="tx1"/>
+          </a:fontRef>
+        </p:style>
+      </p:cxnSp>
+      <p:cxnSp>
+        <p:nvCxnSpPr>
+          <p:cNvPr id="30" name="Straight Arrow Connector 29"/>
+          <p:cNvCxnSpPr>
+            <a:stCxn id="15" idx="1"/>
+          </p:cNvCxnSpPr>
+          <p:nvPr/>
+        </p:nvCxnSpPr>
+        <p:spPr>
+          <a:xfrm flipH="1">
+            <a:off x="4370296" y="1004048"/>
+            <a:ext cx="1588988" cy="2079810"/>
+          </a:xfrm>
+          <a:prstGeom prst="straightConnector1">
+            <a:avLst/>
+          </a:prstGeom>
+          <a:ln>
+            <a:tailEnd type="triangle"/>
+          </a:ln>
+        </p:spPr>
+        <p:style>
+          <a:lnRef idx="1">
+            <a:schemeClr val="accent1"/>
+          </a:lnRef>
+          <a:fillRef idx="0">
+            <a:schemeClr val="accent1"/>
+          </a:fillRef>
+          <a:effectRef idx="0">
+            <a:schemeClr val="accent1"/>
+          </a:effectRef>
+          <a:fontRef idx="minor">
+            <a:schemeClr val="tx1"/>
+          </a:fontRef>
+        </p:style>
+      </p:cxnSp>
+      <p:cxnSp>
+        <p:nvCxnSpPr>
+          <p:cNvPr id="32" name="Straight Arrow Connector 31"/>
+          <p:cNvCxnSpPr>
+            <a:stCxn id="15" idx="1"/>
+          </p:cNvCxnSpPr>
+          <p:nvPr/>
+        </p:nvCxnSpPr>
+        <p:spPr>
+          <a:xfrm flipH="1">
+            <a:off x="4399434" y="1004048"/>
+            <a:ext cx="1559850" cy="4852154"/>
+          </a:xfrm>
+          <a:prstGeom prst="straightConnector1">
+            <a:avLst/>
+          </a:prstGeom>
+          <a:ln>
+            <a:tailEnd type="triangle"/>
+          </a:ln>
+        </p:spPr>
+        <p:style>
+          <a:lnRef idx="1">
+            <a:schemeClr val="accent1"/>
+          </a:lnRef>
+          <a:fillRef idx="0">
+            <a:schemeClr val="accent1"/>
+          </a:fillRef>
+          <a:effectRef idx="0">
+            <a:schemeClr val="accent1"/>
+          </a:effectRef>
+          <a:fontRef idx="minor">
+            <a:schemeClr val="tx1"/>
+          </a:fontRef>
+        </p:style>
+      </p:cxnSp>
+      <p:cxnSp>
+        <p:nvCxnSpPr>
+          <p:cNvPr id="34" name="Straight Arrow Connector 33"/>
+          <p:cNvCxnSpPr>
+            <a:stCxn id="16" idx="1"/>
+          </p:cNvCxnSpPr>
+          <p:nvPr/>
+        </p:nvCxnSpPr>
+        <p:spPr>
+          <a:xfrm flipH="1" flipV="1">
+            <a:off x="4370296" y="972671"/>
+            <a:ext cx="1588988" cy="2330824"/>
+          </a:xfrm>
+          <a:prstGeom prst="straightConnector1">
+            <a:avLst/>
+          </a:prstGeom>
+          <a:ln>
+            <a:tailEnd type="triangle"/>
+          </a:ln>
+        </p:spPr>
+        <p:style>
+          <a:lnRef idx="1">
+            <a:schemeClr val="accent1"/>
+          </a:lnRef>
+          <a:fillRef idx="0">
+            <a:schemeClr val="accent1"/>
+          </a:fillRef>
+          <a:effectRef idx="0">
+            <a:schemeClr val="accent1"/>
+          </a:effectRef>
+          <a:fontRef idx="minor">
+            <a:schemeClr val="tx1"/>
+          </a:fontRef>
+        </p:style>
+      </p:cxnSp>
+      <p:cxnSp>
+        <p:nvCxnSpPr>
+          <p:cNvPr id="36" name="Straight Arrow Connector 35"/>
+          <p:cNvCxnSpPr>
+            <a:stCxn id="16" idx="1"/>
+          </p:cNvCxnSpPr>
+          <p:nvPr/>
+        </p:nvCxnSpPr>
+        <p:spPr>
+          <a:xfrm flipH="1" flipV="1">
+            <a:off x="4370296" y="3225055"/>
+            <a:ext cx="1588988" cy="78440"/>
+          </a:xfrm>
+          <a:prstGeom prst="straightConnector1">
+            <a:avLst/>
+          </a:prstGeom>
+          <a:ln>
+            <a:tailEnd type="triangle"/>
+          </a:ln>
+        </p:spPr>
+        <p:style>
+          <a:lnRef idx="1">
+            <a:schemeClr val="accent1"/>
+          </a:lnRef>
+          <a:fillRef idx="0">
+            <a:schemeClr val="accent1"/>
+          </a:fillRef>
+          <a:effectRef idx="0">
+            <a:schemeClr val="accent1"/>
+          </a:effectRef>
+          <a:fontRef idx="minor">
+            <a:schemeClr val="tx1"/>
+          </a:fontRef>
+        </p:style>
+      </p:cxnSp>
+      <p:cxnSp>
+        <p:nvCxnSpPr>
+          <p:cNvPr id="38" name="Straight Arrow Connector 37"/>
+          <p:cNvCxnSpPr>
+            <a:stCxn id="16" idx="1"/>
+          </p:cNvCxnSpPr>
+          <p:nvPr/>
+        </p:nvCxnSpPr>
+        <p:spPr>
+          <a:xfrm flipH="1">
+            <a:off x="4399434" y="3303495"/>
+            <a:ext cx="1559850" cy="2540375"/>
+          </a:xfrm>
+          <a:prstGeom prst="straightConnector1">
+            <a:avLst/>
+          </a:prstGeom>
+          <a:ln>
+            <a:tailEnd type="triangle"/>
+          </a:ln>
+        </p:spPr>
+        <p:style>
+          <a:lnRef idx="1">
+            <a:schemeClr val="accent1"/>
+          </a:lnRef>
+          <a:fillRef idx="0">
+            <a:schemeClr val="accent1"/>
+          </a:fillRef>
+          <a:effectRef idx="0">
+            <a:schemeClr val="accent1"/>
+          </a:effectRef>
+          <a:fontRef idx="minor">
+            <a:schemeClr val="tx1"/>
+          </a:fontRef>
+        </p:style>
+      </p:cxnSp>
+      <p:cxnSp>
+        <p:nvCxnSpPr>
+          <p:cNvPr id="40" name="Straight Arrow Connector 39"/>
+          <p:cNvCxnSpPr>
+            <a:stCxn id="17" idx="1"/>
+          </p:cNvCxnSpPr>
+          <p:nvPr/>
+        </p:nvCxnSpPr>
+        <p:spPr>
+          <a:xfrm flipH="1" flipV="1">
+            <a:off x="4399434" y="1021982"/>
+            <a:ext cx="1559850" cy="4863348"/>
+          </a:xfrm>
+          <a:prstGeom prst="straightConnector1">
+            <a:avLst/>
+          </a:prstGeom>
+          <a:ln>
+            <a:tailEnd type="triangle"/>
+          </a:ln>
+        </p:spPr>
+        <p:style>
+          <a:lnRef idx="1">
+            <a:schemeClr val="accent1"/>
+          </a:lnRef>
+          <a:fillRef idx="0">
+            <a:schemeClr val="accent1"/>
+          </a:fillRef>
+          <a:effectRef idx="0">
+            <a:schemeClr val="accent1"/>
+          </a:effectRef>
+          <a:fontRef idx="minor">
+            <a:schemeClr val="tx1"/>
+          </a:fontRef>
+        </p:style>
+      </p:cxnSp>
+      <p:cxnSp>
+        <p:nvCxnSpPr>
+          <p:cNvPr id="42" name="Straight Arrow Connector 41"/>
+          <p:cNvCxnSpPr>
+            <a:stCxn id="17" idx="1"/>
+          </p:cNvCxnSpPr>
+          <p:nvPr/>
+        </p:nvCxnSpPr>
+        <p:spPr>
+          <a:xfrm flipH="1" flipV="1">
+            <a:off x="4415124" y="3357282"/>
+            <a:ext cx="1544160" cy="2528048"/>
+          </a:xfrm>
+          <a:prstGeom prst="straightConnector1">
+            <a:avLst/>
+          </a:prstGeom>
+          <a:ln>
+            <a:tailEnd type="triangle"/>
+          </a:ln>
+        </p:spPr>
+        <p:style>
+          <a:lnRef idx="1">
+            <a:schemeClr val="accent1"/>
+          </a:lnRef>
+          <a:fillRef idx="0">
+            <a:schemeClr val="accent1"/>
+          </a:fillRef>
+          <a:effectRef idx="0">
+            <a:schemeClr val="accent1"/>
+          </a:effectRef>
+          <a:fontRef idx="minor">
+            <a:schemeClr val="tx1"/>
+          </a:fontRef>
+        </p:style>
+      </p:cxnSp>
+      <p:cxnSp>
+        <p:nvCxnSpPr>
+          <p:cNvPr id="44" name="Straight Arrow Connector 43"/>
+          <p:cNvCxnSpPr>
+            <a:stCxn id="17" idx="1"/>
+          </p:cNvCxnSpPr>
+          <p:nvPr/>
+        </p:nvCxnSpPr>
+        <p:spPr>
+          <a:xfrm flipH="1" flipV="1">
+            <a:off x="4370296" y="5836022"/>
+            <a:ext cx="1588988" cy="49308"/>
+          </a:xfrm>
+          <a:prstGeom prst="straightConnector1">
+            <a:avLst/>
+          </a:prstGeom>
+          <a:ln>
+            <a:tailEnd type="triangle"/>
+          </a:ln>
+        </p:spPr>
+        <p:style>
+          <a:lnRef idx="1">
+            <a:schemeClr val="accent1"/>
+          </a:lnRef>
+          <a:fillRef idx="0">
+            <a:schemeClr val="accent1"/>
+          </a:fillRef>
+          <a:effectRef idx="0">
+            <a:schemeClr val="accent1"/>
+          </a:effectRef>
+          <a:fontRef idx="minor">
+            <a:schemeClr val="tx1"/>
+          </a:fontRef>
+        </p:style>
+      </p:cxnSp>
+      <p:cxnSp>
+        <p:nvCxnSpPr>
+          <p:cNvPr id="48" name="Straight Arrow Connector 47"/>
+          <p:cNvCxnSpPr>
+            <a:stCxn id="5" idx="1"/>
+          </p:cNvCxnSpPr>
+          <p:nvPr/>
+        </p:nvCxnSpPr>
+        <p:spPr>
+          <a:xfrm flipH="1">
+            <a:off x="2077581" y="1013011"/>
+            <a:ext cx="819764" cy="1405858"/>
+          </a:xfrm>
+          <a:prstGeom prst="straightConnector1">
+            <a:avLst/>
+          </a:prstGeom>
+          <a:ln>
+            <a:tailEnd type="triangle"/>
+          </a:ln>
+        </p:spPr>
+        <p:style>
+          <a:lnRef idx="1">
+            <a:schemeClr val="accent1"/>
+          </a:lnRef>
+          <a:fillRef idx="0">
+            <a:schemeClr val="accent1"/>
+          </a:fillRef>
+          <a:effectRef idx="0">
+            <a:schemeClr val="accent1"/>
+          </a:effectRef>
+          <a:fontRef idx="minor">
+            <a:schemeClr val="tx1"/>
+          </a:fontRef>
+        </p:style>
+      </p:cxnSp>
+      <p:cxnSp>
+        <p:nvCxnSpPr>
+          <p:cNvPr id="49" name="Straight Arrow Connector 48"/>
+          <p:cNvCxnSpPr/>
+          <p:nvPr/>
+        </p:nvCxnSpPr>
+        <p:spPr>
+          <a:xfrm flipH="1">
+            <a:off x="2070851" y="3267641"/>
+            <a:ext cx="61555" cy="0"/>
+          </a:xfrm>
+          <a:prstGeom prst="straightConnector1">
+            <a:avLst/>
+          </a:prstGeom>
+          <a:ln>
+            <a:tailEnd type="triangle"/>
+          </a:ln>
+        </p:spPr>
+        <p:style>
+          <a:lnRef idx="1">
+            <a:schemeClr val="accent1"/>
+          </a:lnRef>
+          <a:fillRef idx="0">
+            <a:schemeClr val="accent1"/>
+          </a:fillRef>
+          <a:effectRef idx="0">
+            <a:schemeClr val="accent1"/>
+          </a:effectRef>
+          <a:fontRef idx="minor">
+            <a:schemeClr val="tx1"/>
+          </a:fontRef>
+        </p:style>
+      </p:cxnSp>
+      <p:cxnSp>
+        <p:nvCxnSpPr>
+          <p:cNvPr id="52" name="Straight Arrow Connector 51"/>
+          <p:cNvCxnSpPr/>
+          <p:nvPr/>
+        </p:nvCxnSpPr>
+        <p:spPr>
+          <a:xfrm flipH="1">
+            <a:off x="10443882" y="3247468"/>
+            <a:ext cx="291354" cy="0"/>
+          </a:xfrm>
+          <a:prstGeom prst="straightConnector1">
+            <a:avLst/>
+          </a:prstGeom>
+          <a:ln>
+            <a:tailEnd type="triangle"/>
+          </a:ln>
+        </p:spPr>
+        <p:style>
+          <a:lnRef idx="1">
+            <a:schemeClr val="accent1"/>
+          </a:lnRef>
+          <a:fillRef idx="0">
+            <a:schemeClr val="accent1"/>
+          </a:fillRef>
+          <a:effectRef idx="0">
+            <a:schemeClr val="accent1"/>
+          </a:effectRef>
+          <a:fontRef idx="minor">
+            <a:schemeClr val="tx1"/>
+          </a:fontRef>
+        </p:style>
+      </p:cxnSp>
+      <p:cxnSp>
+        <p:nvCxnSpPr>
+          <p:cNvPr id="54" name="Straight Arrow Connector 53"/>
+          <p:cNvCxnSpPr>
+            <a:stCxn id="16" idx="0"/>
+          </p:cNvCxnSpPr>
+          <p:nvPr/>
+        </p:nvCxnSpPr>
+        <p:spPr>
+          <a:xfrm flipV="1">
+            <a:off x="6680944" y="1783976"/>
+            <a:ext cx="0" cy="829236"/>
+          </a:xfrm>
+          <a:prstGeom prst="straightConnector1">
+            <a:avLst/>
+          </a:prstGeom>
+          <a:ln>
+            <a:headEnd type="triangle"/>
+            <a:tailEnd type="triangle"/>
+          </a:ln>
+        </p:spPr>
+        <p:style>
+          <a:lnRef idx="1">
+            <a:schemeClr val="accent1"/>
+          </a:lnRef>
+          <a:fillRef idx="0">
+            <a:schemeClr val="accent1"/>
+          </a:fillRef>
+          <a:effectRef idx="0">
+            <a:schemeClr val="accent1"/>
+          </a:effectRef>
+          <a:fontRef idx="minor">
+            <a:schemeClr val="tx1"/>
+          </a:fontRef>
+        </p:style>
+      </p:cxnSp>
+      <p:cxnSp>
+        <p:nvCxnSpPr>
+          <p:cNvPr id="55" name="Straight Arrow Connector 54"/>
+          <p:cNvCxnSpPr/>
+          <p:nvPr/>
+        </p:nvCxnSpPr>
+        <p:spPr>
+          <a:xfrm flipV="1">
+            <a:off x="6680944" y="4122481"/>
+            <a:ext cx="0" cy="973954"/>
+          </a:xfrm>
+          <a:prstGeom prst="straightConnector1">
+            <a:avLst/>
+          </a:prstGeom>
+          <a:ln>
+            <a:headEnd type="triangle"/>
+            <a:tailEnd type="triangle"/>
+          </a:ln>
+        </p:spPr>
+        <p:style>
+          <a:lnRef idx="1">
+            <a:schemeClr val="accent1"/>
+          </a:lnRef>
+          <a:fillRef idx="0">
+            <a:schemeClr val="accent1"/>
+          </a:fillRef>
+          <a:effectRef idx="0">
+            <a:schemeClr val="accent1"/>
+          </a:effectRef>
+          <a:fontRef idx="minor">
+            <a:schemeClr val="tx1"/>
+          </a:fontRef>
+        </p:style>
+      </p:cxnSp>
+      <p:sp>
+        <p:nvSpPr>
+          <p:cNvPr id="35" name="Rounded Rectangle 34"/>
+          <p:cNvSpPr/>
+          <p:nvPr/>
+        </p:nvSpPr>
+        <p:spPr>
+          <a:xfrm>
+            <a:off x="1400731" y="2516842"/>
+            <a:ext cx="1304371" cy="1573306"/>
+          </a:xfrm>
+          <a:prstGeom prst="roundRect">
+            <a:avLst/>
+          </a:prstGeom>
+        </p:spPr>
+        <p:style>
+          <a:lnRef idx="2">
+            <a:schemeClr val="accent2">
+              <a:shade val="50000"/>
+            </a:schemeClr>
+          </a:lnRef>
+          <a:fillRef idx="1">
+            <a:schemeClr val="accent2"/>
+          </a:fillRef>
+          <a:effectRef idx="0">
+            <a:schemeClr val="accent2"/>
+          </a:effectRef>
+          <a:fontRef idx="minor">
+            <a:schemeClr val="lt1"/>
+          </a:fontRef>
+        </p:style>
+        <p:txBody>
+          <a:bodyPr rtlCol="0" anchor="ctr"/>
+          <a:lstStyle/>
+          <a:p>
+            <a:pPr algn="ctr"/>
+            <a:r>
+              <a:rPr lang="en-US" dirty="0"/>
+              <a:t>Generic repository</a:t>
+            </a:r>
+          </a:p>
+        </p:txBody>
+      </p:sp>
+      <p:cxnSp>
+        <p:nvCxnSpPr>
+          <p:cNvPr id="37" name="Straight Arrow Connector 36"/>
+          <p:cNvCxnSpPr>
+            <a:stCxn id="14" idx="1"/>
+          </p:cNvCxnSpPr>
+          <p:nvPr/>
+        </p:nvCxnSpPr>
+        <p:spPr>
+          <a:xfrm flipH="1" flipV="1">
+            <a:off x="2250139" y="4128245"/>
+            <a:ext cx="663389" cy="1762849"/>
+          </a:xfrm>
+          <a:prstGeom prst="straightConnector1">
+            <a:avLst/>
+          </a:prstGeom>
+          <a:ln>
+            <a:tailEnd type="triangle"/>
+          </a:ln>
+        </p:spPr>
+        <p:style>
+          <a:lnRef idx="1">
+            <a:schemeClr val="accent1"/>
+          </a:lnRef>
+          <a:fillRef idx="0">
+            <a:schemeClr val="accent1"/>
+          </a:fillRef>
+          <a:effectRef idx="0">
+            <a:schemeClr val="accent1"/>
+          </a:effectRef>
+          <a:fontRef idx="minor">
+            <a:schemeClr val="tx1"/>
+          </a:fontRef>
+        </p:style>
+      </p:cxnSp>
+      <p:cxnSp>
+        <p:nvCxnSpPr>
+          <p:cNvPr id="74" name="Straight Arrow Connector 73"/>
+          <p:cNvCxnSpPr/>
+          <p:nvPr/>
+        </p:nvCxnSpPr>
+        <p:spPr>
+          <a:xfrm flipH="1">
+            <a:off x="2695013" y="3319191"/>
+            <a:ext cx="192741" cy="0"/>
+          </a:xfrm>
+          <a:prstGeom prst="straightConnector1">
+            <a:avLst/>
+          </a:prstGeom>
+          <a:ln>
+            <a:tailEnd type="triangle"/>
+          </a:ln>
+        </p:spPr>
+        <p:style>
+          <a:lnRef idx="1">
+            <a:schemeClr val="accent1"/>
+          </a:lnRef>
+          <a:fillRef idx="0">
+            <a:schemeClr val="accent1"/>
+          </a:fillRef>
+          <a:effectRef idx="0">
+            <a:schemeClr val="accent1"/>
+          </a:effectRef>
+          <a:fontRef idx="minor">
+            <a:schemeClr val="tx1"/>
+          </a:fontRef>
+        </p:style>
+      </p:cxnSp>
+      <p:cxnSp>
+        <p:nvCxnSpPr>
+          <p:cNvPr id="75" name="Straight Arrow Connector 74"/>
+          <p:cNvCxnSpPr/>
+          <p:nvPr/>
+        </p:nvCxnSpPr>
+        <p:spPr>
+          <a:xfrm flipH="1">
+            <a:off x="1192305" y="3346085"/>
+            <a:ext cx="192741" cy="0"/>
+          </a:xfrm>
+          <a:prstGeom prst="straightConnector1">
+            <a:avLst/>
+          </a:prstGeom>
+          <a:ln>
+            <a:tailEnd type="triangle"/>
+          </a:ln>
+        </p:spPr>
+        <p:style>
+          <a:lnRef idx="1">
+            <a:schemeClr val="accent1"/>
+          </a:lnRef>
+          <a:fillRef idx="0">
+            <a:schemeClr val="accent1"/>
+          </a:fillRef>
+          <a:effectRef idx="0">
+            <a:schemeClr val="accent1"/>
+          </a:effectRef>
+          <a:fontRef idx="minor">
+            <a:schemeClr val="tx1"/>
+          </a:fontRef>
+        </p:style>
+      </p:cxnSp>
+    </p:spTree>
+    <p:extLst>
+      <p:ext uri="{BB962C8B-B14F-4D97-AF65-F5344CB8AC3E}">
+        <p14:creationId xmlns:p14="http://schemas.microsoft.com/office/powerpoint/2010/main" val="3643542187"/>
+      </p:ext>
+    </p:extLst>
+  </p:cSld>
+  <p:clrMapOvr>
+    <a:masterClrMapping/>
+  </p:clrMapOvr>
+</p:sld>
+</file>
+
+<file path=ppt/slides/slide5.xml><?xml version="1.0" encoding="utf-8"?>
+<p:sld xmlns:a="http://schemas.openxmlformats.org/drawingml/2006/main" xmlns:r="http://schemas.openxmlformats.org/officeDocument/2006/relationships" xmlns:p="http://schemas.openxmlformats.org/presentationml/2006/main">
+  <p:cSld>
+    <p:spTree>
+      <p:nvGrpSpPr>
+        <p:cNvPr id="1" name=""/>
+        <p:cNvGrpSpPr/>
+        <p:nvPr/>
+      </p:nvGrpSpPr>
+      <p:grpSpPr>
+        <a:xfrm>
+          <a:off x="0" y="0"/>
+          <a:ext cx="0" cy="0"/>
+          <a:chOff x="0" y="0"/>
+          <a:chExt cx="0" cy="0"/>
+        </a:xfrm>
+      </p:grpSpPr>
+      <p:sp>
+        <p:nvSpPr>
+          <p:cNvPr id="2" name="Rectangle 1">
+            <a:extLst>
+              <a:ext uri="{FF2B5EF4-FFF2-40B4-BE49-F238E27FC236}">
+                <a16:creationId xmlns:a16="http://schemas.microsoft.com/office/drawing/2014/main" id="{F4DFC3F9-66A4-427A-B193-999D0E38062F}"/>
+              </a:ext>
+            </a:extLst>
+          </p:cNvPr>
+          <p:cNvSpPr/>
+          <p:nvPr/>
+        </p:nvSpPr>
+        <p:spPr>
+          <a:xfrm>
+            <a:off x="2544936" y="2967335"/>
+            <a:ext cx="7102137" cy="923330"/>
+          </a:xfrm>
+          <a:prstGeom prst="rect">
+            <a:avLst/>
+          </a:prstGeom>
+          <a:noFill/>
+        </p:spPr>
+        <p:txBody>
+          <a:bodyPr wrap="none" lIns="91440" tIns="45720" rIns="91440" bIns="45720">
+            <a:spAutoFit/>
+          </a:bodyPr>
+          <a:lstStyle/>
+          <a:p>
+            <a:pPr algn="ctr"/>
+            <a:r>
+              <a:rPr lang="en-US" sz="5400" b="0" cap="none" spc="0" dirty="0">
+                <a:ln w="0"/>
+                <a:solidFill>
+                  <a:schemeClr val="tx1"/>
+                </a:solidFill>
+                <a:effectLst>
+                  <a:outerShdw blurRad="38100" dist="19050" dir="2700000" algn="tl" rotWithShape="0">
+                    <a:schemeClr val="dk1">
+                      <a:alpha val="40000"/>
+                    </a:schemeClr>
+                  </a:outerShdw>
+                </a:effectLst>
+              </a:rPr>
+              <a:t>S</a:t>
+            </a:r>
+            <a:r>
+              <a:rPr lang="en-US" sz="5400" dirty="0">
+                <a:ln w="0"/>
+                <a:effectLst>
+                  <a:outerShdw blurRad="38100" dist="19050" dir="2700000" algn="tl" rotWithShape="0">
+                    <a:schemeClr val="dk1">
+                      <a:alpha val="40000"/>
+                    </a:schemeClr>
+                  </a:outerShdw>
+                </a:effectLst>
+              </a:rPr>
+              <a:t>ystem design, </a:t>
+            </a:r>
+            <a:r>
+              <a:rPr lang="en-US" sz="5400" b="0" cap="none" spc="0" dirty="0">
+                <a:ln w="0"/>
+                <a:solidFill>
+                  <a:schemeClr val="tx1"/>
+                </a:solidFill>
+                <a:effectLst>
+                  <a:outerShdw blurRad="38100" dist="19050" dir="2700000" algn="tl" rotWithShape="0">
+                    <a:schemeClr val="dk1">
+                      <a:alpha val="40000"/>
+                    </a:schemeClr>
+                  </a:outerShdw>
+                </a:effectLst>
+              </a:rPr>
+              <a:t>Version 2</a:t>
+            </a:r>
+          </a:p>
+        </p:txBody>
+      </p:sp>
+    </p:spTree>
+    <p:extLst>
+      <p:ext uri="{BB962C8B-B14F-4D97-AF65-F5344CB8AC3E}">
+        <p14:creationId xmlns:p14="http://schemas.microsoft.com/office/powerpoint/2010/main" val="3888393141"/>
+      </p:ext>
+    </p:extLst>
+  </p:cSld>
+  <p:clrMapOvr>
+    <a:masterClrMapping/>
+  </p:clrMapOvr>
+</p:sld>
+</file>
+
+<file path=ppt/slides/slide6.xml><?xml version="1.0" encoding="utf-8"?>
+<p:sld xmlns:a="http://schemas.openxmlformats.org/drawingml/2006/main" xmlns:r="http://schemas.openxmlformats.org/officeDocument/2006/relationships" xmlns:p="http://schemas.openxmlformats.org/presentationml/2006/main">
+  <p:cSld>
+    <p:spTree>
+      <p:nvGrpSpPr>
+        <p:cNvPr id="1" name=""/>
+        <p:cNvGrpSpPr/>
+        <p:nvPr/>
+      </p:nvGrpSpPr>
+      <p:grpSpPr>
+        <a:xfrm>
+          <a:off x="0" y="0"/>
+          <a:ext cx="0" cy="0"/>
+          <a:chOff x="0" y="0"/>
+          <a:chExt cx="0" cy="0"/>
+        </a:xfrm>
+      </p:grpSpPr>
+      <p:sp>
+        <p:nvSpPr>
+          <p:cNvPr id="5" name="Rounded Rectangle 4"/>
+          <p:cNvSpPr/>
+          <p:nvPr/>
+        </p:nvSpPr>
+        <p:spPr>
+          <a:xfrm>
+            <a:off x="4045324" y="2741328"/>
+            <a:ext cx="1304371" cy="1046103"/>
+          </a:xfrm>
+          <a:prstGeom prst="roundRect">
+            <a:avLst/>
+          </a:prstGeom>
+        </p:spPr>
+        <p:style>
+          <a:lnRef idx="2">
+            <a:schemeClr val="accent2">
+              <a:shade val="50000"/>
+            </a:schemeClr>
+          </a:lnRef>
+          <a:fillRef idx="1">
+            <a:schemeClr val="accent2"/>
+          </a:fillRef>
+          <a:effectRef idx="0">
+            <a:schemeClr val="accent2"/>
+          </a:effectRef>
+          <a:fontRef idx="minor">
+            <a:schemeClr val="lt1"/>
+          </a:fontRef>
+        </p:style>
+        <p:txBody>
+          <a:bodyPr rtlCol="0" anchor="ctr"/>
+          <a:lstStyle/>
+          <a:p>
+            <a:pPr algn="ctr"/>
+            <a:r>
+              <a:rPr lang="en-US" dirty="0"/>
+              <a:t>Folder content page repository</a:t>
+            </a:r>
+          </a:p>
+        </p:txBody>
+      </p:sp>
+      <p:sp>
+        <p:nvSpPr>
+          <p:cNvPr id="12" name="Rectangle 11"/>
+          <p:cNvSpPr/>
+          <p:nvPr/>
+        </p:nvSpPr>
+        <p:spPr>
+          <a:xfrm>
+            <a:off x="89646" y="0"/>
+            <a:ext cx="1102659" cy="6858000"/>
+          </a:xfrm>
+          <a:prstGeom prst="rect">
+            <a:avLst/>
+          </a:prstGeom>
+        </p:spPr>
+        <p:style>
+          <a:lnRef idx="2">
+            <a:schemeClr val="accent1">
+              <a:shade val="50000"/>
+            </a:schemeClr>
+          </a:lnRef>
+          <a:fillRef idx="1">
+            <a:schemeClr val="accent1"/>
+          </a:fillRef>
+          <a:effectRef idx="0">
+            <a:schemeClr val="accent1"/>
+          </a:effectRef>
+          <a:fontRef idx="minor">
+            <a:schemeClr val="lt1"/>
+          </a:fontRef>
+        </p:style>
+        <p:txBody>
+          <a:bodyPr rtlCol="0" anchor="ctr"/>
+          <a:lstStyle/>
+          <a:p>
+            <a:pPr algn="ctr"/>
+            <a:r>
+              <a:rPr lang="en-US" dirty="0"/>
+              <a:t>Database </a:t>
+            </a:r>
+          </a:p>
+          <a:p>
+            <a:pPr algn="ctr"/>
+            <a:r>
+              <a:rPr lang="en-US" dirty="0"/>
+              <a:t>File system</a:t>
+            </a:r>
+          </a:p>
+          <a:p>
+            <a:pPr algn="ctr"/>
+            <a:r>
+              <a:rPr lang="en-US" dirty="0"/>
+              <a:t>Other</a:t>
+            </a:r>
+          </a:p>
+        </p:txBody>
+      </p:sp>
+      <p:sp>
+        <p:nvSpPr>
+          <p:cNvPr id="13" name="Rounded Rectangle 12"/>
+          <p:cNvSpPr/>
+          <p:nvPr/>
+        </p:nvSpPr>
+        <p:spPr>
+          <a:xfrm>
+            <a:off x="6138850" y="1096633"/>
+            <a:ext cx="1277472" cy="1046103"/>
+          </a:xfrm>
+          <a:prstGeom prst="roundRect">
+            <a:avLst/>
+          </a:prstGeom>
+        </p:spPr>
+        <p:style>
+          <a:lnRef idx="2">
+            <a:schemeClr val="accent2">
+              <a:shade val="50000"/>
+            </a:schemeClr>
+          </a:lnRef>
+          <a:fillRef idx="1">
+            <a:schemeClr val="accent2"/>
+          </a:fillRef>
+          <a:effectRef idx="0">
+            <a:schemeClr val="accent2"/>
+          </a:effectRef>
+          <a:fontRef idx="minor">
+            <a:schemeClr val="lt1"/>
+          </a:fontRef>
+        </p:style>
+        <p:txBody>
+          <a:bodyPr rtlCol="0" anchor="ctr"/>
+          <a:lstStyle/>
+          <a:p>
+            <a:pPr algn="ctr"/>
+            <a:r>
+              <a:rPr lang="en-US" dirty="0"/>
+              <a:t>Folder content folder repository</a:t>
+            </a:r>
+          </a:p>
+        </p:txBody>
+      </p:sp>
+      <p:sp>
+        <p:nvSpPr>
+          <p:cNvPr id="14" name="Rounded Rectangle 13"/>
+          <p:cNvSpPr/>
+          <p:nvPr/>
+        </p:nvSpPr>
+        <p:spPr>
+          <a:xfrm>
+            <a:off x="2102216" y="5658784"/>
+            <a:ext cx="1277471" cy="1012054"/>
+          </a:xfrm>
+          <a:prstGeom prst="roundRect">
+            <a:avLst/>
+          </a:prstGeom>
+        </p:spPr>
+        <p:style>
+          <a:lnRef idx="2">
+            <a:schemeClr val="accent2">
+              <a:shade val="50000"/>
+            </a:schemeClr>
+          </a:lnRef>
+          <a:fillRef idx="1">
+            <a:schemeClr val="accent2"/>
+          </a:fillRef>
+          <a:effectRef idx="0">
+            <a:schemeClr val="accent2"/>
+          </a:effectRef>
+          <a:fontRef idx="minor">
+            <a:schemeClr val="lt1"/>
+          </a:fontRef>
+        </p:style>
+        <p:txBody>
+          <a:bodyPr rtlCol="0" anchor="ctr"/>
+          <a:lstStyle/>
+          <a:p>
+            <a:pPr algn="ctr"/>
+            <a:r>
+              <a:rPr lang="en-US" dirty="0"/>
+              <a:t>Folder content file repository</a:t>
+            </a:r>
+          </a:p>
+        </p:txBody>
+      </p:sp>
+      <p:sp>
+        <p:nvSpPr>
+          <p:cNvPr id="15" name="Rounded Rectangle 14"/>
+          <p:cNvSpPr/>
+          <p:nvPr/>
+        </p:nvSpPr>
+        <p:spPr>
+          <a:xfrm>
+            <a:off x="6138850" y="4137804"/>
+            <a:ext cx="1277471" cy="1046103"/>
+          </a:xfrm>
+          <a:prstGeom prst="roundRect">
+            <a:avLst/>
+          </a:prstGeom>
+          <a:solidFill>
+            <a:schemeClr val="accent6">
+              <a:lumMod val="75000"/>
+            </a:schemeClr>
+          </a:solidFill>
+        </p:spPr>
+        <p:style>
+          <a:lnRef idx="2">
+            <a:schemeClr val="accent2">
+              <a:shade val="50000"/>
+            </a:schemeClr>
+          </a:lnRef>
+          <a:fillRef idx="1">
+            <a:schemeClr val="accent2"/>
+          </a:fillRef>
+          <a:effectRef idx="0">
+            <a:schemeClr val="accent2"/>
+          </a:effectRef>
+          <a:fontRef idx="minor">
+            <a:schemeClr val="lt1"/>
+          </a:fontRef>
+        </p:style>
+        <p:txBody>
+          <a:bodyPr rtlCol="0" anchor="ctr"/>
+          <a:lstStyle/>
+          <a:p>
+            <a:pPr algn="ctr"/>
+            <a:r>
+              <a:rPr lang="en-US" dirty="0"/>
+              <a:t>Folder content page service</a:t>
+            </a:r>
+          </a:p>
+        </p:txBody>
+      </p:sp>
+      <p:sp>
+        <p:nvSpPr>
+          <p:cNvPr id="16" name="Rounded Rectangle 15"/>
+          <p:cNvSpPr/>
+          <p:nvPr/>
+        </p:nvSpPr>
+        <p:spPr>
+          <a:xfrm>
+            <a:off x="7591555" y="2618084"/>
+            <a:ext cx="1304372" cy="1059485"/>
+          </a:xfrm>
+          <a:prstGeom prst="roundRect">
+            <a:avLst/>
+          </a:prstGeom>
+          <a:solidFill>
+            <a:schemeClr val="accent6">
+              <a:lumMod val="75000"/>
+            </a:schemeClr>
+          </a:solidFill>
+        </p:spPr>
+        <p:style>
+          <a:lnRef idx="2">
+            <a:schemeClr val="accent2">
+              <a:shade val="50000"/>
+            </a:schemeClr>
+          </a:lnRef>
+          <a:fillRef idx="1">
+            <a:schemeClr val="accent2"/>
+          </a:fillRef>
+          <a:effectRef idx="0">
+            <a:schemeClr val="accent2"/>
+          </a:effectRef>
+          <a:fontRef idx="minor">
+            <a:schemeClr val="lt1"/>
+          </a:fontRef>
+        </p:style>
+        <p:txBody>
+          <a:bodyPr rtlCol="0" anchor="ctr"/>
+          <a:lstStyle/>
+          <a:p>
+            <a:pPr algn="ctr"/>
+            <a:r>
+              <a:rPr lang="en-US" dirty="0"/>
+              <a:t>Folder content folder service</a:t>
+            </a:r>
+          </a:p>
+        </p:txBody>
+      </p:sp>
+      <p:sp>
+        <p:nvSpPr>
+          <p:cNvPr id="17" name="Rounded Rectangle 16"/>
+          <p:cNvSpPr/>
+          <p:nvPr/>
+        </p:nvSpPr>
+        <p:spPr>
+          <a:xfrm>
+            <a:off x="4076270" y="5658784"/>
+            <a:ext cx="1277471" cy="1046103"/>
+          </a:xfrm>
+          <a:prstGeom prst="roundRect">
+            <a:avLst/>
+          </a:prstGeom>
+          <a:solidFill>
+            <a:schemeClr val="accent6">
+              <a:lumMod val="75000"/>
+            </a:schemeClr>
+          </a:solidFill>
+        </p:spPr>
+        <p:style>
+          <a:lnRef idx="2">
+            <a:schemeClr val="accent2">
+              <a:shade val="50000"/>
+            </a:schemeClr>
+          </a:lnRef>
+          <a:fillRef idx="1">
+            <a:schemeClr val="accent2"/>
+          </a:fillRef>
+          <a:effectRef idx="0">
+            <a:schemeClr val="accent2"/>
+          </a:effectRef>
+          <a:fontRef idx="minor">
+            <a:schemeClr val="lt1"/>
+          </a:fontRef>
+        </p:style>
+        <p:txBody>
+          <a:bodyPr rtlCol="0" anchor="ctr"/>
+          <a:lstStyle/>
+          <a:p>
+            <a:pPr algn="ctr"/>
+            <a:r>
+              <a:rPr lang="en-US" dirty="0"/>
+              <a:t>Folder content file service</a:t>
+            </a:r>
+          </a:p>
+        </p:txBody>
+      </p:sp>
+      <p:sp>
+        <p:nvSpPr>
+          <p:cNvPr id="19" name="Rounded Rectangle 18"/>
+          <p:cNvSpPr/>
+          <p:nvPr/>
+        </p:nvSpPr>
+        <p:spPr>
+          <a:xfrm>
+            <a:off x="9365941" y="2581836"/>
+            <a:ext cx="1046565" cy="1129024"/>
+          </a:xfrm>
+          <a:prstGeom prst="roundRect">
+            <a:avLst/>
+          </a:prstGeom>
+          <a:solidFill>
+            <a:schemeClr val="tx2">
+              <a:lumMod val="75000"/>
+            </a:schemeClr>
+          </a:solidFill>
+        </p:spPr>
+        <p:style>
+          <a:lnRef idx="2">
+            <a:schemeClr val="accent2">
+              <a:shade val="50000"/>
+            </a:schemeClr>
+          </a:lnRef>
+          <a:fillRef idx="1">
+            <a:schemeClr val="accent2"/>
+          </a:fillRef>
+          <a:effectRef idx="0">
+            <a:schemeClr val="accent2"/>
+          </a:effectRef>
+          <a:fontRef idx="minor">
+            <a:schemeClr val="lt1"/>
+          </a:fontRef>
+        </p:style>
+        <p:txBody>
+          <a:bodyPr rtlCol="0" anchor="ctr"/>
+          <a:lstStyle/>
+          <a:p>
+            <a:pPr algn="ctr"/>
+            <a:r>
+              <a:rPr lang="en-US" dirty="0"/>
+              <a:t>Folder content service</a:t>
+            </a:r>
+          </a:p>
+        </p:txBody>
+      </p:sp>
+      <p:sp>
+        <p:nvSpPr>
+          <p:cNvPr id="20" name="Rectangle 19"/>
+          <p:cNvSpPr/>
+          <p:nvPr/>
+        </p:nvSpPr>
+        <p:spPr>
+          <a:xfrm>
+            <a:off x="10766611" y="0"/>
+            <a:ext cx="1277471" cy="6858000"/>
+          </a:xfrm>
+          <a:prstGeom prst="rect">
+            <a:avLst/>
+          </a:prstGeom>
+          <a:solidFill>
+            <a:schemeClr val="accent4">
+              <a:lumMod val="75000"/>
+            </a:schemeClr>
+          </a:solidFill>
+        </p:spPr>
+        <p:style>
+          <a:lnRef idx="2">
+            <a:schemeClr val="accent1">
+              <a:shade val="50000"/>
+            </a:schemeClr>
+          </a:lnRef>
+          <a:fillRef idx="1">
+            <a:schemeClr val="accent1"/>
+          </a:fillRef>
+          <a:effectRef idx="0">
+            <a:schemeClr val="accent1"/>
+          </a:effectRef>
+          <a:fontRef idx="minor">
+            <a:schemeClr val="lt1"/>
+          </a:fontRef>
+        </p:style>
+        <p:txBody>
+          <a:bodyPr rtlCol="0" anchor="ctr"/>
+          <a:lstStyle/>
+          <a:p>
+            <a:pPr algn="ctr"/>
+            <a:r>
+              <a:rPr lang="en-US" dirty="0"/>
+              <a:t>Endpoint</a:t>
+            </a:r>
+          </a:p>
+        </p:txBody>
+      </p:sp>
+      <p:cxnSp>
+        <p:nvCxnSpPr>
+          <p:cNvPr id="49" name="Straight Arrow Connector 48"/>
+          <p:cNvCxnSpPr/>
+          <p:nvPr/>
+        </p:nvCxnSpPr>
+        <p:spPr>
+          <a:xfrm flipH="1">
+            <a:off x="2070851" y="3267641"/>
+            <a:ext cx="61555" cy="0"/>
+          </a:xfrm>
+          <a:prstGeom prst="straightConnector1">
+            <a:avLst/>
+          </a:prstGeom>
+          <a:ln>
+            <a:tailEnd type="triangle"/>
+          </a:ln>
+        </p:spPr>
+        <p:style>
+          <a:lnRef idx="1">
+            <a:schemeClr val="accent1"/>
+          </a:lnRef>
+          <a:fillRef idx="0">
+            <a:schemeClr val="accent1"/>
+          </a:fillRef>
+          <a:effectRef idx="0">
+            <a:schemeClr val="accent1"/>
+          </a:effectRef>
+          <a:fontRef idx="minor">
+            <a:schemeClr val="tx1"/>
+          </a:fontRef>
+        </p:style>
+      </p:cxnSp>
+      <p:cxnSp>
+        <p:nvCxnSpPr>
+          <p:cNvPr id="52" name="Straight Arrow Connector 51"/>
+          <p:cNvCxnSpPr/>
+          <p:nvPr/>
+        </p:nvCxnSpPr>
+        <p:spPr>
+          <a:xfrm flipH="1">
+            <a:off x="10412506" y="3146348"/>
+            <a:ext cx="291354" cy="0"/>
+          </a:xfrm>
+          <a:prstGeom prst="straightConnector1">
+            <a:avLst/>
+          </a:prstGeom>
+          <a:ln>
+            <a:tailEnd type="triangle"/>
+          </a:ln>
+        </p:spPr>
+        <p:style>
+          <a:lnRef idx="1">
+            <a:schemeClr val="accent1"/>
+          </a:lnRef>
+          <a:fillRef idx="0">
+            <a:schemeClr val="accent1"/>
+          </a:fillRef>
+          <a:effectRef idx="0">
+            <a:schemeClr val="accent1"/>
+          </a:effectRef>
+          <a:fontRef idx="minor">
+            <a:schemeClr val="tx1"/>
+          </a:fontRef>
+        </p:style>
+      </p:cxnSp>
+      <p:sp>
+        <p:nvSpPr>
+          <p:cNvPr id="35" name="Rounded Rectangle 34"/>
+          <p:cNvSpPr/>
+          <p:nvPr/>
+        </p:nvSpPr>
+        <p:spPr>
+          <a:xfrm>
+            <a:off x="1382468" y="2786528"/>
+            <a:ext cx="1245126" cy="1046094"/>
+          </a:xfrm>
+          <a:prstGeom prst="roundRect">
+            <a:avLst/>
+          </a:prstGeom>
+        </p:spPr>
+        <p:style>
+          <a:lnRef idx="2">
+            <a:schemeClr val="accent2">
+              <a:shade val="50000"/>
+            </a:schemeClr>
+          </a:lnRef>
+          <a:fillRef idx="1">
+            <a:schemeClr val="accent2"/>
+          </a:fillRef>
+          <a:effectRef idx="0">
+            <a:schemeClr val="accent2"/>
+          </a:effectRef>
+          <a:fontRef idx="minor">
+            <a:schemeClr val="lt1"/>
+          </a:fontRef>
+        </p:style>
+        <p:txBody>
+          <a:bodyPr rtlCol="0" anchor="ctr"/>
+          <a:lstStyle/>
+          <a:p>
+            <a:pPr algn="ctr"/>
+            <a:r>
+              <a:rPr lang="en-US" dirty="0"/>
+              <a:t>Generic repository</a:t>
+            </a:r>
+          </a:p>
+        </p:txBody>
+      </p:sp>
+      <p:cxnSp>
+        <p:nvCxnSpPr>
+          <p:cNvPr id="75" name="Straight Arrow Connector 74"/>
+          <p:cNvCxnSpPr/>
+          <p:nvPr/>
+        </p:nvCxnSpPr>
+        <p:spPr>
+          <a:xfrm flipH="1">
+            <a:off x="1192305" y="3346085"/>
+            <a:ext cx="192741" cy="0"/>
+          </a:xfrm>
+          <a:prstGeom prst="straightConnector1">
+            <a:avLst/>
+          </a:prstGeom>
+          <a:ln>
+            <a:tailEnd type="triangle"/>
+          </a:ln>
+        </p:spPr>
+        <p:style>
+          <a:lnRef idx="1">
+            <a:schemeClr val="accent1"/>
+          </a:lnRef>
+          <a:fillRef idx="0">
+            <a:schemeClr val="accent1"/>
+          </a:fillRef>
+          <a:effectRef idx="0">
+            <a:schemeClr val="accent1"/>
+          </a:effectRef>
+          <a:fontRef idx="minor">
+            <a:schemeClr val="tx1"/>
+          </a:fontRef>
+        </p:style>
+      </p:cxnSp>
+      <p:cxnSp>
+        <p:nvCxnSpPr>
+          <p:cNvPr id="39" name="Straight Arrow Connector 38">
+            <a:extLst>
+              <a:ext uri="{FF2B5EF4-FFF2-40B4-BE49-F238E27FC236}">
+                <a16:creationId xmlns:a16="http://schemas.microsoft.com/office/drawing/2014/main" id="{EAB9B10B-0A8E-41FB-AFD4-17656B27CAA0}"/>
+              </a:ext>
+            </a:extLst>
+          </p:cNvPr>
+          <p:cNvCxnSpPr>
+            <a:cxnSpLocks/>
+          </p:cNvCxnSpPr>
+          <p:nvPr/>
+        </p:nvCxnSpPr>
+        <p:spPr>
+          <a:xfrm flipH="1">
+            <a:off x="8975323" y="3146348"/>
+            <a:ext cx="390618" cy="0"/>
+          </a:xfrm>
+          <a:prstGeom prst="straightConnector1">
+            <a:avLst/>
+          </a:prstGeom>
+          <a:ln>
+            <a:tailEnd type="triangle"/>
+          </a:ln>
+        </p:spPr>
+        <p:style>
+          <a:lnRef idx="1">
+            <a:schemeClr val="accent1"/>
+          </a:lnRef>
+          <a:fillRef idx="0">
+            <a:schemeClr val="accent1"/>
+          </a:fillRef>
+          <a:effectRef idx="0">
+            <a:schemeClr val="accent1"/>
+          </a:effectRef>
+          <a:fontRef idx="minor">
+            <a:schemeClr val="tx1"/>
+          </a:fontRef>
+        </p:style>
+      </p:cxnSp>
+      <p:cxnSp>
+        <p:nvCxnSpPr>
+          <p:cNvPr id="56" name="Straight Arrow Connector 55">
+            <a:extLst>
+              <a:ext uri="{FF2B5EF4-FFF2-40B4-BE49-F238E27FC236}">
+                <a16:creationId xmlns:a16="http://schemas.microsoft.com/office/drawing/2014/main" id="{EF7590E3-E659-41D0-B9F0-B7D00FE35354}"/>
+              </a:ext>
+            </a:extLst>
+          </p:cNvPr>
+          <p:cNvCxnSpPr>
+            <a:cxnSpLocks/>
+          </p:cNvCxnSpPr>
+          <p:nvPr/>
+        </p:nvCxnSpPr>
+        <p:spPr>
+          <a:xfrm flipH="1" flipV="1">
+            <a:off x="6889072" y="2220803"/>
+            <a:ext cx="702482" cy="930232"/>
+          </a:xfrm>
+          <a:prstGeom prst="straightConnector1">
+            <a:avLst/>
+          </a:prstGeom>
+          <a:ln>
+            <a:tailEnd type="triangle"/>
+          </a:ln>
+        </p:spPr>
+        <p:style>
+          <a:lnRef idx="1">
+            <a:schemeClr val="accent1"/>
+          </a:lnRef>
+          <a:fillRef idx="0">
+            <a:schemeClr val="accent1"/>
+          </a:fillRef>
+          <a:effectRef idx="0">
+            <a:schemeClr val="accent1"/>
+          </a:effectRef>
+          <a:fontRef idx="minor">
+            <a:schemeClr val="tx1"/>
+          </a:fontRef>
+        </p:style>
+      </p:cxnSp>
+      <p:cxnSp>
+        <p:nvCxnSpPr>
+          <p:cNvPr id="57" name="Straight Arrow Connector 56">
+            <a:extLst>
+              <a:ext uri="{FF2B5EF4-FFF2-40B4-BE49-F238E27FC236}">
+                <a16:creationId xmlns:a16="http://schemas.microsoft.com/office/drawing/2014/main" id="{5D3E706A-9126-4645-B9BE-B57D5626C32C}"/>
+              </a:ext>
+            </a:extLst>
+          </p:cNvPr>
+          <p:cNvCxnSpPr>
+            <a:cxnSpLocks/>
+            <a:stCxn id="16" idx="1"/>
+          </p:cNvCxnSpPr>
+          <p:nvPr/>
+        </p:nvCxnSpPr>
+        <p:spPr>
+          <a:xfrm flipH="1">
+            <a:off x="6889073" y="3147827"/>
+            <a:ext cx="702482" cy="927023"/>
+          </a:xfrm>
+          <a:prstGeom prst="straightConnector1">
+            <a:avLst/>
+          </a:prstGeom>
+          <a:ln>
+            <a:tailEnd type="triangle"/>
+          </a:ln>
+        </p:spPr>
+        <p:style>
+          <a:lnRef idx="1">
+            <a:schemeClr val="accent1"/>
+          </a:lnRef>
+          <a:fillRef idx="0">
+            <a:schemeClr val="accent1"/>
+          </a:fillRef>
+          <a:effectRef idx="0">
+            <a:schemeClr val="accent1"/>
+          </a:effectRef>
+          <a:fontRef idx="minor">
+            <a:schemeClr val="tx1"/>
+          </a:fontRef>
+        </p:style>
+      </p:cxnSp>
+      <p:cxnSp>
+        <p:nvCxnSpPr>
+          <p:cNvPr id="66" name="Straight Arrow Connector 65">
+            <a:extLst>
+              <a:ext uri="{FF2B5EF4-FFF2-40B4-BE49-F238E27FC236}">
+                <a16:creationId xmlns:a16="http://schemas.microsoft.com/office/drawing/2014/main" id="{DEF3E2D2-AC6D-4D6C-BBBE-AD92A9E52DC1}"/>
+              </a:ext>
+            </a:extLst>
+          </p:cNvPr>
+          <p:cNvCxnSpPr>
+            <a:cxnSpLocks/>
+          </p:cNvCxnSpPr>
+          <p:nvPr/>
+        </p:nvCxnSpPr>
+        <p:spPr>
+          <a:xfrm flipH="1">
+            <a:off x="4862687" y="4731798"/>
+            <a:ext cx="1276165" cy="926986"/>
+          </a:xfrm>
+          <a:prstGeom prst="straightConnector1">
+            <a:avLst/>
+          </a:prstGeom>
+          <a:ln>
+            <a:tailEnd type="triangle"/>
+          </a:ln>
+        </p:spPr>
+        <p:style>
+          <a:lnRef idx="1">
+            <a:schemeClr val="accent1"/>
+          </a:lnRef>
+          <a:fillRef idx="0">
+            <a:schemeClr val="accent1"/>
+          </a:fillRef>
+          <a:effectRef idx="0">
+            <a:schemeClr val="accent1"/>
+          </a:effectRef>
+          <a:fontRef idx="minor">
+            <a:schemeClr val="tx1"/>
+          </a:fontRef>
+        </p:style>
+      </p:cxnSp>
+      <p:cxnSp>
+        <p:nvCxnSpPr>
+          <p:cNvPr id="83" name="Straight Arrow Connector 82">
+            <a:extLst>
+              <a:ext uri="{FF2B5EF4-FFF2-40B4-BE49-F238E27FC236}">
+                <a16:creationId xmlns:a16="http://schemas.microsoft.com/office/drawing/2014/main" id="{943CA646-BD78-48C9-B4FB-6D883A364F4A}"/>
+              </a:ext>
+            </a:extLst>
+          </p:cNvPr>
+          <p:cNvCxnSpPr>
+            <a:cxnSpLocks/>
+          </p:cNvCxnSpPr>
+          <p:nvPr/>
+        </p:nvCxnSpPr>
+        <p:spPr>
+          <a:xfrm flipH="1" flipV="1">
+            <a:off x="4862687" y="3832622"/>
+            <a:ext cx="1299853" cy="898832"/>
+          </a:xfrm>
+          <a:prstGeom prst="straightConnector1">
+            <a:avLst/>
+          </a:prstGeom>
+          <a:ln>
+            <a:tailEnd type="triangle"/>
+          </a:ln>
+        </p:spPr>
+        <p:style>
+          <a:lnRef idx="1">
+            <a:schemeClr val="accent1"/>
+          </a:lnRef>
+          <a:fillRef idx="0">
+            <a:schemeClr val="accent1"/>
+          </a:fillRef>
+          <a:effectRef idx="0">
+            <a:schemeClr val="accent1"/>
+          </a:effectRef>
+          <a:fontRef idx="minor">
+            <a:schemeClr val="tx1"/>
+          </a:fontRef>
+        </p:style>
+      </p:cxnSp>
+      <p:cxnSp>
+        <p:nvCxnSpPr>
+          <p:cNvPr id="86" name="Straight Arrow Connector 85">
+            <a:extLst>
+              <a:ext uri="{FF2B5EF4-FFF2-40B4-BE49-F238E27FC236}">
+                <a16:creationId xmlns:a16="http://schemas.microsoft.com/office/drawing/2014/main" id="{56740AAD-8ABE-4780-B991-69DC40C732DB}"/>
+              </a:ext>
+            </a:extLst>
+          </p:cNvPr>
+          <p:cNvCxnSpPr>
+            <a:cxnSpLocks/>
+          </p:cNvCxnSpPr>
+          <p:nvPr/>
+        </p:nvCxnSpPr>
+        <p:spPr>
+          <a:xfrm flipH="1">
+            <a:off x="3480047" y="6207085"/>
+            <a:ext cx="596226" cy="0"/>
+          </a:xfrm>
+          <a:prstGeom prst="straightConnector1">
+            <a:avLst/>
+          </a:prstGeom>
+          <a:ln>
+            <a:tailEnd type="triangle"/>
+          </a:ln>
+        </p:spPr>
+        <p:style>
+          <a:lnRef idx="1">
+            <a:schemeClr val="accent1"/>
+          </a:lnRef>
+          <a:fillRef idx="0">
+            <a:schemeClr val="accent1"/>
+          </a:fillRef>
+          <a:effectRef idx="0">
+            <a:schemeClr val="accent1"/>
+          </a:effectRef>
+          <a:fontRef idx="minor">
+            <a:schemeClr val="tx1"/>
+          </a:fontRef>
+        </p:style>
+      </p:cxnSp>
+      <p:cxnSp>
+        <p:nvCxnSpPr>
+          <p:cNvPr id="91" name="Straight Arrow Connector 90">
+            <a:extLst>
+              <a:ext uri="{FF2B5EF4-FFF2-40B4-BE49-F238E27FC236}">
+                <a16:creationId xmlns:a16="http://schemas.microsoft.com/office/drawing/2014/main" id="{66D631C2-C127-4450-8936-9CA57790FFF0}"/>
+              </a:ext>
+            </a:extLst>
+          </p:cNvPr>
+          <p:cNvCxnSpPr>
+            <a:cxnSpLocks/>
+          </p:cNvCxnSpPr>
+          <p:nvPr/>
+        </p:nvCxnSpPr>
+        <p:spPr>
+          <a:xfrm flipH="1">
+            <a:off x="2740952" y="3255501"/>
+            <a:ext cx="1299736" cy="0"/>
+          </a:xfrm>
+          <a:prstGeom prst="straightConnector1">
+            <a:avLst/>
+          </a:prstGeom>
+          <a:ln>
+            <a:tailEnd type="triangle"/>
+          </a:ln>
+        </p:spPr>
+        <p:style>
+          <a:lnRef idx="1">
+            <a:schemeClr val="accent1"/>
+          </a:lnRef>
+          <a:fillRef idx="0">
+            <a:schemeClr val="accent1"/>
+          </a:fillRef>
+          <a:effectRef idx="0">
+            <a:schemeClr val="accent1"/>
+          </a:effectRef>
+          <a:fontRef idx="minor">
+            <a:schemeClr val="tx1"/>
+          </a:fontRef>
+        </p:style>
+      </p:cxnSp>
+      <p:cxnSp>
+        <p:nvCxnSpPr>
+          <p:cNvPr id="93" name="Straight Arrow Connector 92">
+            <a:extLst>
+              <a:ext uri="{FF2B5EF4-FFF2-40B4-BE49-F238E27FC236}">
+                <a16:creationId xmlns:a16="http://schemas.microsoft.com/office/drawing/2014/main" id="{8A895462-96EA-491F-BE57-83059CAE6EC5}"/>
+              </a:ext>
+            </a:extLst>
+          </p:cNvPr>
+          <p:cNvCxnSpPr>
+            <a:cxnSpLocks/>
+          </p:cNvCxnSpPr>
+          <p:nvPr/>
+        </p:nvCxnSpPr>
+        <p:spPr>
+          <a:xfrm flipH="1">
+            <a:off x="2811974" y="1608202"/>
+            <a:ext cx="3284026" cy="1647299"/>
+          </a:xfrm>
+          <a:prstGeom prst="straightConnector1">
+            <a:avLst/>
+          </a:prstGeom>
+          <a:ln>
+            <a:tailEnd type="triangle"/>
+          </a:ln>
+        </p:spPr>
+        <p:style>
+          <a:lnRef idx="1">
+            <a:schemeClr val="accent1"/>
+          </a:lnRef>
+          <a:fillRef idx="0">
+            <a:schemeClr val="accent1"/>
+          </a:fillRef>
+          <a:effectRef idx="0">
+            <a:schemeClr val="accent1"/>
+          </a:effectRef>
+          <a:fontRef idx="minor">
+            <a:schemeClr val="tx1"/>
+          </a:fontRef>
+        </p:style>
+      </p:cxnSp>
+      <p:cxnSp>
+        <p:nvCxnSpPr>
+          <p:cNvPr id="95" name="Straight Arrow Connector 94">
+            <a:extLst>
+              <a:ext uri="{FF2B5EF4-FFF2-40B4-BE49-F238E27FC236}">
+                <a16:creationId xmlns:a16="http://schemas.microsoft.com/office/drawing/2014/main" id="{65367B49-A0E2-4526-B23A-A33122C4EA9A}"/>
+              </a:ext>
+            </a:extLst>
+          </p:cNvPr>
+          <p:cNvCxnSpPr>
+            <a:cxnSpLocks/>
+          </p:cNvCxnSpPr>
+          <p:nvPr/>
+        </p:nvCxnSpPr>
+        <p:spPr>
+          <a:xfrm flipV="1">
+            <a:off x="2811974" y="3267641"/>
+            <a:ext cx="0" cy="2254835"/>
+          </a:xfrm>
+          <a:prstGeom prst="straightConnector1">
+            <a:avLst/>
+          </a:prstGeom>
+          <a:ln>
+            <a:tailEnd type="triangle"/>
+          </a:ln>
+        </p:spPr>
+        <p:style>
+          <a:lnRef idx="1">
+            <a:schemeClr val="accent1"/>
+          </a:lnRef>
+          <a:fillRef idx="0">
+            <a:schemeClr val="accent1"/>
+          </a:fillRef>
+          <a:effectRef idx="0">
+            <a:schemeClr val="accent1"/>
+          </a:effectRef>
+          <a:fontRef idx="minor">
+            <a:schemeClr val="tx1"/>
+          </a:fontRef>
+        </p:style>
+      </p:cxnSp>
+    </p:spTree>
+    <p:extLst>
+      <p:ext uri="{BB962C8B-B14F-4D97-AF65-F5344CB8AC3E}">
+        <p14:creationId xmlns:p14="http://schemas.microsoft.com/office/powerpoint/2010/main" val="2418274910"/>
+      </p:ext>
+    </p:extLst>
+  </p:cSld>
+  <p:clrMapOvr>
+    <a:masterClrMapping/>
+  </p:clrMapOvr>
+</p:sld>
+</file>
+
+<file path=ppt/slides/slide7.xml><?xml version="1.0" encoding="utf-8"?>
+<p:sld xmlns:a="http://schemas.openxmlformats.org/drawingml/2006/main" xmlns:r="http://schemas.openxmlformats.org/officeDocument/2006/relationships" xmlns:p="http://schemas.openxmlformats.org/presentationml/2006/main">
+  <p:cSld>
+    <p:spTree>
+      <p:nvGrpSpPr>
+        <p:cNvPr id="1" name=""/>
+        <p:cNvGrpSpPr/>
+        <p:nvPr/>
+      </p:nvGrpSpPr>
+      <p:grpSpPr>
+        <a:xfrm>
+          <a:off x="0" y="0"/>
+          <a:ext cx="0" cy="0"/>
+          <a:chOff x="0" y="0"/>
+          <a:chExt cx="0" cy="0"/>
+        </a:xfrm>
+      </p:grpSpPr>
+      <p:sp>
+        <p:nvSpPr>
+          <p:cNvPr id="2" name="Title 1"/>
+          <p:cNvSpPr>
+            <a:spLocks noGrp="1"/>
+          </p:cNvSpPr>
+          <p:nvPr>
+            <p:ph type="title"/>
+          </p:nvPr>
+        </p:nvSpPr>
+        <p:spPr>
+          <a:xfrm>
+            <a:off x="838200" y="37913"/>
+            <a:ext cx="10515600" cy="1325563"/>
+          </a:xfrm>
+        </p:spPr>
+        <p:txBody>
+          <a:bodyPr/>
+          <a:lstStyle/>
+          <a:p>
+            <a:r>
+              <a:rPr lang="en-US" dirty="0"/>
+              <a:t>Problem: (Where to save the Folder content)</a:t>
+            </a:r>
+          </a:p>
+        </p:txBody>
+      </p:sp>
+      <p:sp>
+        <p:nvSpPr>
+          <p:cNvPr id="3" name="Content Placeholder 2"/>
+          <p:cNvSpPr>
+            <a:spLocks noGrp="1"/>
+          </p:cNvSpPr>
+          <p:nvPr>
+            <p:ph idx="1"/>
+          </p:nvPr>
+        </p:nvSpPr>
+        <p:spPr>
+          <a:xfrm>
+            <a:off x="838200" y="1081554"/>
+            <a:ext cx="10515600" cy="5511987"/>
+          </a:xfrm>
+        </p:spPr>
+        <p:txBody>
+          <a:bodyPr>
+            <a:normAutofit/>
+          </a:bodyPr>
+          <a:lstStyle/>
+          <a:p>
+            <a:r>
+              <a:rPr lang="en-US" dirty="0"/>
+              <a:t>On first thought it would seem </a:t>
+            </a:r>
+            <a:r>
+              <a:rPr lang="en-US" dirty="0" err="1"/>
+              <a:t>coorect</a:t>
+            </a:r>
+            <a:r>
+              <a:rPr lang="en-US" dirty="0"/>
+              <a:t> to save the contents of the folder in the object of the folder</a:t>
+            </a:r>
+          </a:p>
+          <a:p>
+            <a:r>
+              <a:rPr lang="en-US" dirty="0"/>
+              <a:t>The folder object would contain an Array of type </a:t>
+            </a:r>
+            <a:r>
+              <a:rPr lang="en-US" dirty="0" err="1"/>
+              <a:t>IFolderContent</a:t>
+            </a:r>
+            <a:r>
+              <a:rPr lang="en-US" dirty="0"/>
+              <a:t> that hold all folder sub-files and sub-folder.</a:t>
+            </a:r>
+          </a:p>
+          <a:p>
+            <a:r>
+              <a:rPr lang="en-US" dirty="0"/>
+              <a:t>When we save a folder object we first serialized it to string and then save it.</a:t>
+            </a:r>
+          </a:p>
+          <a:p>
+            <a:r>
+              <a:rPr lang="en-US" dirty="0"/>
+              <a:t>In order to save it I used the </a:t>
+            </a:r>
+            <a:r>
+              <a:rPr lang="en-US" dirty="0" err="1"/>
+              <a:t>JavaScriptSerializer</a:t>
+            </a:r>
+            <a:r>
+              <a:rPr lang="en-US" dirty="0"/>
+              <a:t> with the method Serialize</a:t>
+            </a:r>
+          </a:p>
+          <a:p>
+            <a:r>
+              <a:rPr lang="en-US" dirty="0"/>
+              <a:t>The </a:t>
+            </a:r>
+            <a:r>
+              <a:rPr lang="en-US" dirty="0" err="1"/>
+              <a:t>JavaScriptSerializer</a:t>
+            </a:r>
+            <a:r>
+              <a:rPr lang="en-US" dirty="0"/>
+              <a:t> parser </a:t>
+            </a:r>
+            <a:r>
+              <a:rPr lang="en-US" dirty="0" err="1"/>
+              <a:t>thorws</a:t>
+            </a:r>
+            <a:r>
+              <a:rPr lang="en-US" dirty="0"/>
+              <a:t> exception when parsed object pass the </a:t>
+            </a:r>
+            <a:r>
+              <a:rPr lang="en-US" dirty="0" err="1"/>
+              <a:t>MaxJsonLength</a:t>
+            </a:r>
+            <a:r>
+              <a:rPr lang="en-US" dirty="0"/>
+              <a:t>.</a:t>
+            </a:r>
+          </a:p>
+          <a:p>
+            <a:r>
+              <a:rPr lang="en-US" dirty="0"/>
+              <a:t>I wasn’t able to save the large folder object with all the content </a:t>
+            </a:r>
+          </a:p>
+          <a:p>
+            <a:endParaRPr lang="en-US" dirty="0"/>
+          </a:p>
+          <a:p>
+            <a:endParaRPr lang="en-US" dirty="0"/>
+          </a:p>
+          <a:p>
+            <a:endParaRPr lang="en-US" dirty="0"/>
+          </a:p>
+        </p:txBody>
+      </p:sp>
+    </p:spTree>
+    <p:extLst>
+      <p:ext uri="{BB962C8B-B14F-4D97-AF65-F5344CB8AC3E}">
+        <p14:creationId xmlns:p14="http://schemas.microsoft.com/office/powerpoint/2010/main" val="535155255"/>
+      </p:ext>
+    </p:extLst>
+  </p:cSld>
+  <p:clrMapOvr>
+    <a:masterClrMapping/>
+  </p:clrMapOvr>
+</p:sld>
+</file>
+
+<file path=ppt/slides/slide8.xml><?xml version="1.0" encoding="utf-8"?>
+<p:sld xmlns:a="http://schemas.openxmlformats.org/drawingml/2006/main" xmlns:r="http://schemas.openxmlformats.org/officeDocument/2006/relationships" xmlns:p="http://schemas.openxmlformats.org/presentationml/2006/main">
+  <p:cSld>
+    <p:spTree>
+      <p:nvGrpSpPr>
+        <p:cNvPr id="1" name=""/>
+        <p:cNvGrpSpPr/>
+        <p:nvPr/>
+      </p:nvGrpSpPr>
+      <p:grpSpPr>
+        <a:xfrm>
+          <a:off x="0" y="0"/>
+          <a:ext cx="0" cy="0"/>
+          <a:chOff x="0" y="0"/>
+          <a:chExt cx="0" cy="0"/>
+        </a:xfrm>
+      </p:grpSpPr>
+      <p:sp>
+        <p:nvSpPr>
+          <p:cNvPr id="2" name="Title 1"/>
+          <p:cNvSpPr>
+            <a:spLocks noGrp="1"/>
+          </p:cNvSpPr>
+          <p:nvPr>
+            <p:ph type="title"/>
+          </p:nvPr>
+        </p:nvSpPr>
+        <p:spPr/>
+        <p:txBody>
+          <a:bodyPr/>
+          <a:lstStyle/>
+          <a:p>
+            <a:r>
+              <a:rPr lang="en-US" dirty="0"/>
+              <a:t>Solution: (Where to save the Folder content)</a:t>
+            </a:r>
+          </a:p>
+        </p:txBody>
+      </p:sp>
+      <p:sp>
+        <p:nvSpPr>
+          <p:cNvPr id="3" name="Content Placeholder 2"/>
+          <p:cNvSpPr>
+            <a:spLocks noGrp="1"/>
+          </p:cNvSpPr>
+          <p:nvPr>
+            <p:ph idx="1"/>
+          </p:nvPr>
+        </p:nvSpPr>
+        <p:spPr/>
+        <p:txBody>
+          <a:bodyPr/>
+          <a:lstStyle/>
+          <a:p>
+            <a:r>
+              <a:rPr lang="en-US" dirty="0"/>
+              <a:t>Each folder will hold the content in </a:t>
+            </a:r>
+            <a:r>
+              <a:rPr lang="en-US" dirty="0" err="1"/>
+              <a:t>IFolderPage</a:t>
+            </a:r>
+            <a:r>
+              <a:rPr lang="en-US" dirty="0"/>
+              <a:t> object on an Array of </a:t>
+            </a:r>
+            <a:r>
+              <a:rPr lang="en-US" dirty="0" err="1"/>
+              <a:t>IFolderContent</a:t>
+            </a:r>
+            <a:r>
+              <a:rPr lang="en-US" dirty="0"/>
+              <a:t>.</a:t>
+            </a:r>
+          </a:p>
+          <a:p>
+            <a:r>
+              <a:rPr lang="en-US" dirty="0"/>
+              <a:t>Since we cant save too big object each folder will hold several </a:t>
+            </a:r>
+            <a:r>
+              <a:rPr lang="en-US" dirty="0" err="1"/>
+              <a:t>IFolderPage</a:t>
+            </a:r>
+            <a:r>
+              <a:rPr lang="en-US" dirty="0"/>
+              <a:t> objects that will contain constant number of elements.</a:t>
+            </a:r>
+          </a:p>
+          <a:p>
+            <a:r>
+              <a:rPr lang="en-US" dirty="0"/>
+              <a:t>The combination of all the </a:t>
+            </a:r>
+            <a:r>
+              <a:rPr lang="en-US" dirty="0" err="1"/>
+              <a:t>IFolderPage</a:t>
+            </a:r>
+            <a:r>
+              <a:rPr lang="en-US" dirty="0"/>
+              <a:t> Arrays will give us all the content of the folder</a:t>
+            </a:r>
+          </a:p>
+          <a:p>
+            <a:r>
+              <a:rPr lang="en-US" dirty="0"/>
+              <a:t>I called this </a:t>
+            </a:r>
+            <a:r>
+              <a:rPr lang="en-US" dirty="0" err="1"/>
+              <a:t>IFolderPages</a:t>
+            </a:r>
+            <a:r>
+              <a:rPr lang="en-US" dirty="0"/>
+              <a:t> Physical page in order to distinguish them from the logical page. The logical page is number of all elements divided by the number of elements the user decided to show on page </a:t>
+            </a:r>
+          </a:p>
+        </p:txBody>
+      </p:sp>
+    </p:spTree>
+    <p:extLst>
+      <p:ext uri="{BB962C8B-B14F-4D97-AF65-F5344CB8AC3E}">
+        <p14:creationId xmlns:p14="http://schemas.microsoft.com/office/powerpoint/2010/main" val="3370509753"/>
+      </p:ext>
+    </p:extLst>
+  </p:cSld>
+  <p:clrMapOvr>
+    <a:masterClrMapping/>
+  </p:clrMapOvr>
+</p:sld>
+</file>
+
+<file path=ppt/slides/slide9.xml><?xml version="1.0" encoding="utf-8"?>
+<p:sld xmlns:a="http://schemas.openxmlformats.org/drawingml/2006/main" xmlns:r="http://schemas.openxmlformats.org/officeDocument/2006/relationships" xmlns:p="http://schemas.openxmlformats.org/presentationml/2006/main">
+  <p:cSld>
+    <p:spTree>
+      <p:nvGrpSpPr>
+        <p:cNvPr id="1" name=""/>
+        <p:cNvGrpSpPr/>
+        <p:nvPr/>
+      </p:nvGrpSpPr>
+      <p:grpSpPr>
+        <a:xfrm>
+          <a:off x="0" y="0"/>
+          <a:ext cx="0" cy="0"/>
+          <a:chOff x="0" y="0"/>
+          <a:chExt cx="0" cy="0"/>
+        </a:xfrm>
+      </p:grpSpPr>
+      <p:sp>
+        <p:nvSpPr>
+          <p:cNvPr id="18" name="Rectangle 17"/>
+          <p:cNvSpPr/>
+          <p:nvPr/>
+        </p:nvSpPr>
+        <p:spPr>
+          <a:xfrm>
+            <a:off x="188259" y="5342963"/>
+            <a:ext cx="3222812" cy="1295401"/>
+          </a:xfrm>
+          <a:prstGeom prst="rect">
+            <a:avLst/>
+          </a:prstGeom>
+        </p:spPr>
+        <p:style>
+          <a:lnRef idx="2">
+            <a:schemeClr val="accent1">
+              <a:shade val="50000"/>
+            </a:schemeClr>
+          </a:lnRef>
+          <a:fillRef idx="1">
+            <a:schemeClr val="accent1"/>
+          </a:fillRef>
+          <a:effectRef idx="0">
+            <a:schemeClr val="accent1"/>
+          </a:effectRef>
+          <a:fontRef idx="minor">
+            <a:schemeClr val="lt1"/>
+          </a:fontRef>
+        </p:style>
+        <p:txBody>
+          <a:bodyPr rtlCol="0" anchor="ctr"/>
+          <a:lstStyle/>
+          <a:p>
+            <a:pPr algn="ctr"/>
             <a:endParaRPr lang="en-US"/>
           </a:p>
         </p:txBody>
@@ -4789,18 +6621,17 @@
           <a:p>
             <a:pPr algn="ctr"/>
             <a:r>
-              <a:rPr lang="en-US" dirty="0" err="1" smtClean="0"/>
+              <a:rPr lang="en-US" dirty="0" err="1"/>
               <a:t>Ifolder</a:t>
             </a:r>
-            <a:endParaRPr lang="en-US" dirty="0" smtClean="0"/>
+            <a:endParaRPr lang="en-US" dirty="0"/>
           </a:p>
           <a:p>
             <a:pPr algn="ctr"/>
             <a:r>
-              <a:rPr lang="en-US" dirty="0" smtClean="0"/>
+              <a:rPr lang="en-US" dirty="0"/>
               <a:t>Has 4*X elements in total</a:t>
             </a:r>
-            <a:endParaRPr lang="en-US" dirty="0"/>
           </a:p>
         </p:txBody>
       </p:sp>
@@ -4841,10 +6672,10 @@
           <a:p>
             <a:pPr algn="ctr"/>
             <a:r>
-              <a:rPr lang="en-US" dirty="0" err="1" smtClean="0"/>
+              <a:rPr lang="en-US" dirty="0" err="1"/>
               <a:t>IFolderPage</a:t>
             </a:r>
-            <a:endParaRPr lang="en-US" dirty="0" smtClean="0"/>
+            <a:endParaRPr lang="en-US" dirty="0"/>
           </a:p>
           <a:p>
             <a:pPr algn="ctr"/>
@@ -4896,18 +6727,17 @@
           <a:p>
             <a:pPr algn="ctr"/>
             <a:r>
-              <a:rPr lang="en-US" dirty="0" err="1" smtClean="0"/>
+              <a:rPr lang="en-US" dirty="0" err="1"/>
               <a:t>IFolderPage</a:t>
             </a:r>
-            <a:endParaRPr lang="en-US" dirty="0" smtClean="0"/>
+            <a:endParaRPr lang="en-US" dirty="0"/>
           </a:p>
           <a:p>
             <a:pPr algn="ctr"/>
             <a:r>
-              <a:rPr lang="en-US" dirty="0" smtClean="0"/>
+              <a:rPr lang="en-US" dirty="0"/>
               <a:t>Holds X elements  in Array</a:t>
             </a:r>
-            <a:endParaRPr lang="en-US" dirty="0"/>
           </a:p>
         </p:txBody>
       </p:sp>
@@ -5028,10 +6858,10 @@
           <a:p>
             <a:pPr algn="ctr"/>
             <a:r>
-              <a:rPr lang="en-US" dirty="0" err="1" smtClean="0"/>
+              <a:rPr lang="en-US" dirty="0" err="1"/>
               <a:t>IFolderPage</a:t>
             </a:r>
-            <a:endParaRPr lang="en-US" dirty="0" smtClean="0"/>
+            <a:endParaRPr lang="en-US" dirty="0"/>
           </a:p>
           <a:p>
             <a:pPr algn="ctr"/>
@@ -5123,10 +6953,10 @@
           <a:p>
             <a:pPr algn="ctr"/>
             <a:r>
-              <a:rPr lang="en-US" dirty="0" err="1" smtClean="0"/>
+              <a:rPr lang="en-US" dirty="0" err="1"/>
               <a:t>IFolderPage</a:t>
             </a:r>
-            <a:endParaRPr lang="en-US" dirty="0" smtClean="0"/>
+            <a:endParaRPr lang="en-US" dirty="0"/>
           </a:p>
           <a:p>
             <a:pPr algn="ctr"/>
@@ -5204,10 +7034,9 @@
           <a:lstStyle/>
           <a:p>
             <a:r>
-              <a:rPr lang="en-US" dirty="0" smtClean="0"/>
+              <a:rPr lang="en-US" dirty="0"/>
               <a:t>Physical page</a:t>
             </a:r>
-            <a:endParaRPr lang="en-US" dirty="0"/>
           </a:p>
         </p:txBody>
       </p:sp>
@@ -5234,10 +7063,9 @@
           <a:lstStyle/>
           <a:p>
             <a:r>
-              <a:rPr lang="en-US" dirty="0" smtClean="0"/>
+              <a:rPr lang="en-US" dirty="0"/>
               <a:t>Logical page</a:t>
             </a:r>
-            <a:endParaRPr lang="en-US" dirty="0"/>
           </a:p>
         </p:txBody>
       </p:sp>
@@ -5332,13 +7160,13 @@
           <a:lstStyle/>
           <a:p>
             <a:r>
-              <a:rPr lang="en-US" dirty="0" smtClean="0"/>
+              <a:rPr lang="en-US" dirty="0"/>
               <a:t>We can see that the folder has 4*x elements.</a:t>
             </a:r>
           </a:p>
           <a:p>
             <a:r>
-              <a:rPr lang="en-US" dirty="0" smtClean="0"/>
+              <a:rPr lang="en-US" dirty="0"/>
               <a:t>Since I defined that each physical page can hold at most x elements, the content of the folder must split between 4 physical pages</a:t>
             </a:r>
           </a:p>
@@ -5367,24 +7195,16 @@
           <a:lstStyle/>
           <a:p>
             <a:r>
-              <a:rPr lang="en-US" dirty="0" smtClean="0"/>
+              <a:rPr lang="en-US" dirty="0"/>
               <a:t>In this example the user defined that he want to see 2*x element on page for </a:t>
             </a:r>
             <a:r>
-              <a:rPr lang="en-US" b="1" dirty="0" smtClean="0"/>
+              <a:rPr lang="en-US" b="1" dirty="0"/>
               <a:t>this folder.</a:t>
             </a:r>
             <a:r>
-              <a:rPr lang="en-US" dirty="0" smtClean="0"/>
-              <a:t> So the logical page contains 2*x elements and </a:t>
-            </a:r>
-            <a:r>
               <a:rPr lang="en-US" dirty="0"/>
-              <a:t>consists of </a:t>
-            </a:r>
-            <a:r>
-              <a:rPr lang="en-US" dirty="0" smtClean="0"/>
-              <a:t>2 physical pages.</a:t>
+              <a:t> So the logical page contains 2*x elements and consists of 2 physical pages.</a:t>
             </a:r>
           </a:p>
           <a:p>
@@ -5392,22 +7212,9 @@
           </a:p>
           <a:p>
             <a:r>
-              <a:rPr lang="en-US" dirty="0" smtClean="0"/>
-              <a:t>If the user will change the number of elements he want to see in page to 3*x then the logical page will be 3*x and will </a:t>
-            </a:r>
-            <a:r>
               <a:rPr lang="en-US" dirty="0"/>
-              <a:t>consists of </a:t>
-            </a:r>
-            <a:r>
-              <a:rPr lang="en-US" dirty="0" smtClean="0"/>
-              <a:t>3 </a:t>
-            </a:r>
-            <a:r>
-              <a:rPr lang="en-US" dirty="0"/>
-              <a:t>physical pages</a:t>
-            </a:r>
-            <a:endParaRPr lang="en-US" dirty="0" smtClean="0"/>
+              <a:t>If the user will change the number of elements he want to see in page to 3*x then the logical page will be 3*x and will consists of 3 physical pages</a:t>
+            </a:r>
           </a:p>
         </p:txBody>
       </p:sp>
